--- a/연구일지/졸업작품 주간 일지 30주차/ABA해결방안.pptx
+++ b/연구일지/졸업작품 주간 일지 30주차/ABA해결방안.pptx
@@ -5,10 +5,12 @@
     <p:sldMasterId id="2147483648" r:id="rId1"/>
   </p:sldMasterIdLst>
   <p:sldIdLst>
-    <p:sldId id="256" r:id="rId2"/>
-    <p:sldId id="257" r:id="rId3"/>
-    <p:sldId id="259" r:id="rId4"/>
-    <p:sldId id="258" r:id="rId5"/>
+    <p:sldId id="257" r:id="rId2"/>
+    <p:sldId id="259" r:id="rId3"/>
+    <p:sldId id="258" r:id="rId4"/>
+    <p:sldId id="260" r:id="rId5"/>
+    <p:sldId id="265" r:id="rId6"/>
+    <p:sldId id="264" r:id="rId7"/>
   </p:sldIdLst>
   <p:sldSz cx="12192000" cy="6858000"/>
   <p:notesSz cx="6858000" cy="9144000"/>
@@ -3313,86 +3315,6 @@
 </file>
 
 <file path=ppt/slides/slide1.xml><?xml version="1.0" encoding="utf-8"?>
-<p:sld xmlns:a="http://schemas.openxmlformats.org/drawingml/2006/main" xmlns:r="http://schemas.openxmlformats.org/officeDocument/2006/relationships" xmlns:p="http://schemas.openxmlformats.org/presentationml/2006/main">
-  <p:cSld>
-    <p:spTree>
-      <p:nvGrpSpPr>
-        <p:cNvPr id="1" name=""/>
-        <p:cNvGrpSpPr/>
-        <p:nvPr/>
-      </p:nvGrpSpPr>
-      <p:grpSpPr>
-        <a:xfrm>
-          <a:off x="0" y="0"/>
-          <a:ext cx="0" cy="0"/>
-          <a:chOff x="0" y="0"/>
-          <a:chExt cx="0" cy="0"/>
-        </a:xfrm>
-      </p:grpSpPr>
-      <p:sp>
-        <p:nvSpPr>
-          <p:cNvPr id="2" name="제목 1">
-            <a:extLst>
-              <a:ext uri="{FF2B5EF4-FFF2-40B4-BE49-F238E27FC236}">
-                <a16:creationId xmlns:a16="http://schemas.microsoft.com/office/drawing/2014/main" id="{599D7DFF-8185-4E4E-9DEA-A84E593FBC25}"/>
-              </a:ext>
-            </a:extLst>
-          </p:cNvPr>
-          <p:cNvSpPr>
-            <a:spLocks noGrp="1"/>
-          </p:cNvSpPr>
-          <p:nvPr>
-            <p:ph type="ctrTitle"/>
-          </p:nvPr>
-        </p:nvSpPr>
-        <p:spPr/>
-        <p:txBody>
-          <a:bodyPr/>
-          <a:lstStyle/>
-          <a:p>
-            <a:endParaRPr lang="ko-KR" altLang="en-US"/>
-          </a:p>
-        </p:txBody>
-      </p:sp>
-      <p:sp>
-        <p:nvSpPr>
-          <p:cNvPr id="3" name="부제목 2">
-            <a:extLst>
-              <a:ext uri="{FF2B5EF4-FFF2-40B4-BE49-F238E27FC236}">
-                <a16:creationId xmlns:a16="http://schemas.microsoft.com/office/drawing/2014/main" id="{E0A40BEC-BC2F-4666-A08E-A17189ED31ED}"/>
-              </a:ext>
-            </a:extLst>
-          </p:cNvPr>
-          <p:cNvSpPr>
-            <a:spLocks noGrp="1"/>
-          </p:cNvSpPr>
-          <p:nvPr>
-            <p:ph type="subTitle" idx="1"/>
-          </p:nvPr>
-        </p:nvSpPr>
-        <p:spPr/>
-        <p:txBody>
-          <a:bodyPr/>
-          <a:lstStyle/>
-          <a:p>
-            <a:endParaRPr lang="ko-KR" altLang="en-US"/>
-          </a:p>
-        </p:txBody>
-      </p:sp>
-    </p:spTree>
-    <p:extLst>
-      <p:ext uri="{BB962C8B-B14F-4D97-AF65-F5344CB8AC3E}">
-        <p14:creationId xmlns:p14="http://schemas.microsoft.com/office/powerpoint/2010/main" val="1400286696"/>
-      </p:ext>
-    </p:extLst>
-  </p:cSld>
-  <p:clrMapOvr>
-    <a:masterClrMapping/>
-  </p:clrMapOvr>
-</p:sld>
-</file>
-
-<file path=ppt/slides/slide2.xml><?xml version="1.0" encoding="utf-8"?>
 <p:sld xmlns:a="http://schemas.openxmlformats.org/drawingml/2006/main" xmlns:r="http://schemas.openxmlformats.org/officeDocument/2006/relationships" xmlns:p="http://schemas.openxmlformats.org/presentationml/2006/main">
   <p:cSld>
     <p:spTree>
@@ -4528,7 +4450,7 @@
 </p:sld>
 </file>
 
-<file path=ppt/slides/slide3.xml><?xml version="1.0" encoding="utf-8"?>
+<file path=ppt/slides/slide2.xml><?xml version="1.0" encoding="utf-8"?>
 <p:sld xmlns:a="http://schemas.openxmlformats.org/drawingml/2006/main" xmlns:r="http://schemas.openxmlformats.org/officeDocument/2006/relationships" xmlns:p="http://schemas.openxmlformats.org/presentationml/2006/main">
   <p:cSld>
     <p:spTree>
@@ -4560,7 +4482,7 @@
         <p:spPr>
           <a:xfrm>
             <a:off x="6096000" y="151179"/>
-            <a:ext cx="5852832" cy="3785652"/>
+            <a:ext cx="5852832" cy="3046988"/>
           </a:xfrm>
           <a:prstGeom prst="rect">
             <a:avLst/>
@@ -4842,80 +4764,14 @@
             <a:r>
               <a:rPr lang="en-US" altLang="ko-KR" sz="1200">
                 <a:solidFill>
-                  <a:srgbClr val="000000"/>
-                </a:solidFill>
-                <a:latin typeface="돋움체" panose="020B0609000101010101" pitchFamily="49" charset="-127"/>
-                <a:ea typeface="돋움체" panose="020B0609000101010101" pitchFamily="49" charset="-127"/>
-              </a:rPr>
-              <a:t>	{</a:t>
-            </a:r>
-          </a:p>
-          <a:p>
-            <a:r>
-              <a:rPr lang="en-US" altLang="ko-KR" sz="1200">
-                <a:solidFill>
                   <a:srgbClr val="0000FF"/>
                 </a:solidFill>
                 <a:latin typeface="돋움체" panose="020B0609000101010101" pitchFamily="49" charset="-127"/>
                 <a:ea typeface="돋움체" panose="020B0609000101010101" pitchFamily="49" charset="-127"/>
               </a:rPr>
-              <a:t>	    if</a:t>
-            </a:r>
-            <a:r>
-              <a:rPr lang="en-US" altLang="ko-KR" sz="1200">
-                <a:solidFill>
-                  <a:srgbClr val="000000"/>
-                </a:solidFill>
-                <a:latin typeface="돋움체" panose="020B0609000101010101" pitchFamily="49" charset="-127"/>
-                <a:ea typeface="돋움체" panose="020B0609000101010101" pitchFamily="49" charset="-127"/>
-              </a:rPr>
-              <a:t> (curr_weak_count == 1)</a:t>
-            </a:r>
-          </a:p>
-          <a:p>
-            <a:r>
-              <a:rPr lang="en-US" altLang="ko-KR" sz="1200">
-                <a:solidFill>
-                  <a:srgbClr val="0000FF"/>
-                </a:solidFill>
-                <a:latin typeface="돋움체" panose="020B0609000101010101" pitchFamily="49" charset="-127"/>
-                <a:ea typeface="돋움체" panose="020B0609000101010101" pitchFamily="49" charset="-127"/>
-              </a:rPr>
-              <a:t>	        delete</a:t>
-            </a:r>
-            <a:r>
-              <a:rPr lang="en-US" altLang="ko-KR" sz="1200">
-                <a:solidFill>
-                  <a:srgbClr val="000000"/>
-                </a:solidFill>
-                <a:latin typeface="돋움체" panose="020B0609000101010101" pitchFamily="49" charset="-127"/>
-                <a:ea typeface="돋움체" panose="020B0609000101010101" pitchFamily="49" charset="-127"/>
-              </a:rPr>
-              <a:t> </a:t>
-            </a:r>
-            <a:r>
-              <a:rPr lang="en-US" altLang="ko-KR" sz="1200">
-                <a:solidFill>
-                  <a:srgbClr val="0000FF"/>
-                </a:solidFill>
-                <a:latin typeface="돋움체" panose="020B0609000101010101" pitchFamily="49" charset="-127"/>
-                <a:ea typeface="돋움체" panose="020B0609000101010101" pitchFamily="49" charset="-127"/>
-              </a:rPr>
-              <a:t>this</a:t>
-            </a:r>
-            <a:r>
-              <a:rPr lang="en-US" altLang="ko-KR" sz="1200">
-                <a:solidFill>
-                  <a:srgbClr val="000000"/>
-                </a:solidFill>
-                <a:latin typeface="돋움체" panose="020B0609000101010101" pitchFamily="49" charset="-127"/>
-                <a:ea typeface="돋움체" panose="020B0609000101010101" pitchFamily="49" charset="-127"/>
-              </a:rPr>
-              <a:t>;</a:t>
-            </a:r>
-          </a:p>
-          <a:p>
-            <a:endParaRPr lang="ko-KR" altLang="en-US" sz="1200">
+              <a:t>	    delete this;</a:t>
+            </a:r>
+            <a:endParaRPr lang="en-US" altLang="ko-KR" sz="1200">
               <a:solidFill>
                 <a:srgbClr val="000000"/>
               </a:solidFill>
@@ -4932,7 +4788,7 @@
                 <a:latin typeface="돋움체" panose="020B0609000101010101" pitchFamily="49" charset="-127"/>
                 <a:ea typeface="돋움체" panose="020B0609000101010101" pitchFamily="49" charset="-127"/>
               </a:rPr>
-              <a:t>	    return</a:t>
+              <a:t>	return</a:t>
             </a:r>
             <a:r>
               <a:rPr lang="en-US" altLang="ko-KR" sz="1200">
@@ -4954,48 +4810,19 @@
                 <a:latin typeface="돋움체" panose="020B0609000101010101" pitchFamily="49" charset="-127"/>
                 <a:ea typeface="돋움체" panose="020B0609000101010101" pitchFamily="49" charset="-127"/>
               </a:rPr>
-              <a:t>	}</a:t>
-            </a:r>
-            <a:endParaRPr lang="ko-KR" altLang="en-US" sz="1200">
-              <a:solidFill>
-                <a:srgbClr val="FF0000"/>
-              </a:solidFill>
-              <a:latin typeface="돋움체" panose="020B0609000101010101" pitchFamily="49" charset="-127"/>
-              <a:ea typeface="돋움체" panose="020B0609000101010101" pitchFamily="49" charset="-127"/>
-            </a:endParaRPr>
-          </a:p>
-          <a:p>
-            <a:r>
-              <a:rPr lang="en-US" altLang="ko-KR" sz="1200">
-                <a:solidFill>
-                  <a:srgbClr val="FF0000"/>
-                </a:solidFill>
-                <a:latin typeface="돋움체" panose="020B0609000101010101" pitchFamily="49" charset="-127"/>
-                <a:ea typeface="돋움체" panose="020B0609000101010101" pitchFamily="49" charset="-127"/>
-              </a:rPr>
-              <a:t>	</a:t>
-            </a:r>
-            <a:r>
-              <a:rPr lang="en-US" altLang="ko-KR" sz="1200">
-                <a:solidFill>
-                  <a:srgbClr val="0000FF"/>
-                </a:solidFill>
-                <a:latin typeface="돋움체" panose="020B0609000101010101" pitchFamily="49" charset="-127"/>
-                <a:ea typeface="돋움체" panose="020B0609000101010101" pitchFamily="49" charset="-127"/>
-              </a:rPr>
-              <a:t>return;</a:t>
-            </a:r>
-          </a:p>
-          <a:p>
-            <a:r>
-              <a:rPr lang="en-US" altLang="ko-KR" sz="1200">
-                <a:solidFill>
-                  <a:srgbClr val="000000"/>
-                </a:solidFill>
-                <a:latin typeface="돋움체" panose="020B0609000101010101" pitchFamily="49" charset="-127"/>
-                <a:ea typeface="돋움체" panose="020B0609000101010101" pitchFamily="49" charset="-127"/>
-              </a:rPr>
-              <a:t>       }</a:t>
+              <a:t>        }</a:t>
+            </a:r>
+          </a:p>
+          <a:p>
+            <a:r>
+              <a:rPr lang="en-US" altLang="ko-KR" sz="1200">
+                <a:solidFill>
+                  <a:srgbClr val="000000"/>
+                </a:solidFill>
+                <a:latin typeface="돋움체" panose="020B0609000101010101" pitchFamily="49" charset="-127"/>
+                <a:ea typeface="돋움체" panose="020B0609000101010101" pitchFamily="49" charset="-127"/>
+              </a:rPr>
+              <a:t>    }</a:t>
             </a:r>
           </a:p>
           <a:p>
@@ -5493,7 +5320,7 @@
 </p:sld>
 </file>
 
-<file path=ppt/slides/slide4.xml><?xml version="1.0" encoding="utf-8"?>
+<file path=ppt/slides/slide3.xml><?xml version="1.0" encoding="utf-8"?>
 <p:sld xmlns:a="http://schemas.openxmlformats.org/drawingml/2006/main" xmlns:r="http://schemas.openxmlformats.org/officeDocument/2006/relationships" xmlns:p="http://schemas.openxmlformats.org/presentationml/2006/main">
   <p:cSld>
     <p:spTree>
@@ -7037,6 +6864,4036 @@
     <p:extLst>
       <p:ext uri="{BB962C8B-B14F-4D97-AF65-F5344CB8AC3E}">
         <p14:creationId xmlns:p14="http://schemas.microsoft.com/office/powerpoint/2010/main" val="1739809645"/>
+      </p:ext>
+    </p:extLst>
+  </p:cSld>
+  <p:clrMapOvr>
+    <a:masterClrMapping/>
+  </p:clrMapOvr>
+</p:sld>
+</file>
+
+<file path=ppt/slides/slide4.xml><?xml version="1.0" encoding="utf-8"?>
+<p:sld xmlns:a="http://schemas.openxmlformats.org/drawingml/2006/main" xmlns:r="http://schemas.openxmlformats.org/officeDocument/2006/relationships" xmlns:p="http://schemas.openxmlformats.org/presentationml/2006/main">
+  <p:cSld>
+    <p:spTree>
+      <p:nvGrpSpPr>
+        <p:cNvPr id="1" name=""/>
+        <p:cNvGrpSpPr/>
+        <p:nvPr/>
+      </p:nvGrpSpPr>
+      <p:grpSpPr>
+        <a:xfrm>
+          <a:off x="0" y="0"/>
+          <a:ext cx="0" cy="0"/>
+          <a:chOff x="0" y="0"/>
+          <a:chExt cx="0" cy="0"/>
+        </a:xfrm>
+      </p:grpSpPr>
+      <p:grpSp>
+        <p:nvGrpSpPr>
+          <p:cNvPr id="4" name="그룹 3">
+            <a:extLst>
+              <a:ext uri="{FF2B5EF4-FFF2-40B4-BE49-F238E27FC236}">
+                <a16:creationId xmlns:a16="http://schemas.microsoft.com/office/drawing/2014/main" id="{E1211F7A-F9B0-449B-BB87-375443A50C79}"/>
+              </a:ext>
+            </a:extLst>
+          </p:cNvPr>
+          <p:cNvGrpSpPr/>
+          <p:nvPr/>
+        </p:nvGrpSpPr>
+        <p:grpSpPr>
+          <a:xfrm>
+            <a:off x="706116" y="739387"/>
+            <a:ext cx="5506427" cy="3415753"/>
+            <a:chOff x="956929" y="1305308"/>
+            <a:chExt cx="3420763" cy="1820246"/>
+          </a:xfrm>
+        </p:grpSpPr>
+        <p:sp>
+          <p:nvSpPr>
+            <p:cNvPr id="5" name="TextBox 4">
+              <a:extLst>
+                <a:ext uri="{FF2B5EF4-FFF2-40B4-BE49-F238E27FC236}">
+                  <a16:creationId xmlns:a16="http://schemas.microsoft.com/office/drawing/2014/main" id="{EA2515C2-14A9-48FC-B3AF-7296D2A21700}"/>
+                </a:ext>
+              </a:extLst>
+            </p:cNvPr>
+            <p:cNvSpPr txBox="1"/>
+            <p:nvPr/>
+          </p:nvSpPr>
+          <p:spPr>
+            <a:xfrm>
+              <a:off x="956931" y="1454168"/>
+              <a:ext cx="1366390" cy="278823"/>
+            </a:xfrm>
+            <a:prstGeom prst="rect">
+              <a:avLst/>
+            </a:prstGeom>
+            <a:noFill/>
+            <a:ln>
+              <a:solidFill>
+                <a:schemeClr val="tx1"/>
+              </a:solidFill>
+            </a:ln>
+          </p:spPr>
+          <p:txBody>
+            <a:bodyPr wrap="square" rtlCol="0">
+              <a:spAutoFit/>
+            </a:bodyPr>
+            <a:lstStyle/>
+            <a:p>
+              <a:pPr algn="ctr"/>
+              <a:r>
+                <a:rPr lang="en-US" altLang="ko-KR" sz="1400"/>
+                <a:t>template&lt;typename</a:t>
+              </a:r>
+              <a:r>
+                <a:rPr lang="ko-KR" altLang="en-US" sz="1400"/>
+                <a:t> </a:t>
+              </a:r>
+              <a:r>
+                <a:rPr lang="en-US" altLang="ko-KR" sz="1400"/>
+                <a:t>Tp&gt;</a:t>
+              </a:r>
+            </a:p>
+            <a:p>
+              <a:pPr algn="ctr"/>
+              <a:r>
+                <a:rPr lang="en-US" altLang="ko-KR" sz="1400"/>
+                <a:t>LF_shared_ptr</a:t>
+              </a:r>
+              <a:endParaRPr lang="ko-KR" altLang="en-US" sz="1400"/>
+            </a:p>
+          </p:txBody>
+        </p:sp>
+        <p:sp>
+          <p:nvSpPr>
+            <p:cNvPr id="6" name="TextBox 5">
+              <a:extLst>
+                <a:ext uri="{FF2B5EF4-FFF2-40B4-BE49-F238E27FC236}">
+                  <a16:creationId xmlns:a16="http://schemas.microsoft.com/office/drawing/2014/main" id="{4B24ADEF-B9BA-4C2B-A56F-B8756F4B77F2}"/>
+                </a:ext>
+              </a:extLst>
+            </p:cNvPr>
+            <p:cNvSpPr txBox="1"/>
+            <p:nvPr/>
+          </p:nvSpPr>
+          <p:spPr>
+            <a:xfrm>
+              <a:off x="980919" y="1737984"/>
+              <a:ext cx="1318412" cy="164014"/>
+            </a:xfrm>
+            <a:prstGeom prst="rect">
+              <a:avLst/>
+            </a:prstGeom>
+            <a:noFill/>
+          </p:spPr>
+          <p:txBody>
+            <a:bodyPr wrap="square" rtlCol="0">
+              <a:spAutoFit/>
+            </a:bodyPr>
+            <a:lstStyle/>
+            <a:p>
+              <a:pPr algn="ctr"/>
+              <a:r>
+                <a:rPr lang="en-US" altLang="ko-KR" sz="1400">
+                  <a:solidFill>
+                    <a:schemeClr val="accent5">
+                      <a:lumMod val="75000"/>
+                    </a:schemeClr>
+                  </a:solidFill>
+                </a:rPr>
+                <a:t>control_block&lt;Tp&gt;* </a:t>
+              </a:r>
+              <a:r>
+                <a:rPr lang="en-US" altLang="ko-KR" sz="1400"/>
+                <a:t>ctr</a:t>
+              </a:r>
+            </a:p>
+          </p:txBody>
+        </p:sp>
+        <p:sp>
+          <p:nvSpPr>
+            <p:cNvPr id="7" name="직사각형 6">
+              <a:extLst>
+                <a:ext uri="{FF2B5EF4-FFF2-40B4-BE49-F238E27FC236}">
+                  <a16:creationId xmlns:a16="http://schemas.microsoft.com/office/drawing/2014/main" id="{EE07FF4A-B5E4-4959-9338-5E210F1B5B31}"/>
+                </a:ext>
+              </a:extLst>
+            </p:cNvPr>
+            <p:cNvSpPr/>
+            <p:nvPr/>
+          </p:nvSpPr>
+          <p:spPr>
+            <a:xfrm>
+              <a:off x="956931" y="1454168"/>
+              <a:ext cx="1366390" cy="558645"/>
+            </a:xfrm>
+            <a:prstGeom prst="rect">
+              <a:avLst/>
+            </a:prstGeom>
+            <a:noFill/>
+            <a:ln>
+              <a:solidFill>
+                <a:schemeClr val="tx1"/>
+              </a:solidFill>
+            </a:ln>
+          </p:spPr>
+          <p:style>
+            <a:lnRef idx="2">
+              <a:schemeClr val="accent1">
+                <a:shade val="50000"/>
+              </a:schemeClr>
+            </a:lnRef>
+            <a:fillRef idx="1">
+              <a:schemeClr val="accent1"/>
+            </a:fillRef>
+            <a:effectRef idx="0">
+              <a:schemeClr val="accent1"/>
+            </a:effectRef>
+            <a:fontRef idx="minor">
+              <a:schemeClr val="lt1"/>
+            </a:fontRef>
+          </p:style>
+          <p:txBody>
+            <a:bodyPr rtlCol="0" anchor="ctr"/>
+            <a:lstStyle/>
+            <a:p>
+              <a:pPr algn="ctr"/>
+              <a:endParaRPr lang="ko-KR" altLang="en-US" sz="1400"/>
+            </a:p>
+          </p:txBody>
+        </p:sp>
+        <p:sp>
+          <p:nvSpPr>
+            <p:cNvPr id="8" name="TextBox 7">
+              <a:extLst>
+                <a:ext uri="{FF2B5EF4-FFF2-40B4-BE49-F238E27FC236}">
+                  <a16:creationId xmlns:a16="http://schemas.microsoft.com/office/drawing/2014/main" id="{C1BC66A1-74EB-4D10-A7E9-546F2B6B6F71}"/>
+                </a:ext>
+              </a:extLst>
+            </p:cNvPr>
+            <p:cNvSpPr txBox="1"/>
+            <p:nvPr/>
+          </p:nvSpPr>
+          <p:spPr>
+            <a:xfrm>
+              <a:off x="956930" y="2299447"/>
+              <a:ext cx="1415864" cy="278823"/>
+            </a:xfrm>
+            <a:prstGeom prst="rect">
+              <a:avLst/>
+            </a:prstGeom>
+            <a:noFill/>
+            <a:ln>
+              <a:solidFill>
+                <a:schemeClr val="tx1"/>
+              </a:solidFill>
+            </a:ln>
+          </p:spPr>
+          <p:txBody>
+            <a:bodyPr wrap="square" rtlCol="0">
+              <a:spAutoFit/>
+            </a:bodyPr>
+            <a:lstStyle/>
+            <a:p>
+              <a:pPr algn="ctr"/>
+              <a:r>
+                <a:rPr lang="en-US" altLang="ko-KR" sz="1400"/>
+                <a:t>template&lt;typename</a:t>
+              </a:r>
+              <a:r>
+                <a:rPr lang="ko-KR" altLang="en-US" sz="1400"/>
+                <a:t> </a:t>
+              </a:r>
+              <a:r>
+                <a:rPr lang="en-US" altLang="ko-KR" sz="1400"/>
+                <a:t>Tp&gt;</a:t>
+              </a:r>
+            </a:p>
+            <a:p>
+              <a:pPr algn="ctr"/>
+              <a:r>
+                <a:rPr lang="en-US" altLang="ko-KR" sz="1400"/>
+                <a:t>LF_weak_ptr</a:t>
+              </a:r>
+              <a:endParaRPr lang="ko-KR" altLang="en-US" sz="1400"/>
+            </a:p>
+          </p:txBody>
+        </p:sp>
+        <p:sp>
+          <p:nvSpPr>
+            <p:cNvPr id="9" name="직사각형 8">
+              <a:extLst>
+                <a:ext uri="{FF2B5EF4-FFF2-40B4-BE49-F238E27FC236}">
+                  <a16:creationId xmlns:a16="http://schemas.microsoft.com/office/drawing/2014/main" id="{ECD629AE-ACF0-46EC-B5B0-2B9B56590AC8}"/>
+                </a:ext>
+              </a:extLst>
+            </p:cNvPr>
+            <p:cNvSpPr/>
+            <p:nvPr/>
+          </p:nvSpPr>
+          <p:spPr>
+            <a:xfrm>
+              <a:off x="956929" y="2299448"/>
+              <a:ext cx="1415866" cy="552568"/>
+            </a:xfrm>
+            <a:prstGeom prst="rect">
+              <a:avLst/>
+            </a:prstGeom>
+            <a:noFill/>
+            <a:ln>
+              <a:solidFill>
+                <a:schemeClr val="tx1"/>
+              </a:solidFill>
+            </a:ln>
+          </p:spPr>
+          <p:style>
+            <a:lnRef idx="2">
+              <a:schemeClr val="accent1">
+                <a:shade val="50000"/>
+              </a:schemeClr>
+            </a:lnRef>
+            <a:fillRef idx="1">
+              <a:schemeClr val="accent1"/>
+            </a:fillRef>
+            <a:effectRef idx="0">
+              <a:schemeClr val="accent1"/>
+            </a:effectRef>
+            <a:fontRef idx="minor">
+              <a:schemeClr val="lt1"/>
+            </a:fontRef>
+          </p:style>
+          <p:txBody>
+            <a:bodyPr rtlCol="0" anchor="ctr"/>
+            <a:lstStyle/>
+            <a:p>
+              <a:pPr algn="ctr"/>
+              <a:endParaRPr lang="ko-KR" altLang="en-US" sz="1400"/>
+            </a:p>
+          </p:txBody>
+        </p:sp>
+        <p:sp>
+          <p:nvSpPr>
+            <p:cNvPr id="10" name="TextBox 9">
+              <a:extLst>
+                <a:ext uri="{FF2B5EF4-FFF2-40B4-BE49-F238E27FC236}">
+                  <a16:creationId xmlns:a16="http://schemas.microsoft.com/office/drawing/2014/main" id="{055597BB-44CE-42E4-B443-5DC13592BF5A}"/>
+                </a:ext>
+              </a:extLst>
+            </p:cNvPr>
+            <p:cNvSpPr txBox="1"/>
+            <p:nvPr/>
+          </p:nvSpPr>
+          <p:spPr>
+            <a:xfrm>
+              <a:off x="2783258" y="1825938"/>
+              <a:ext cx="1594434" cy="278823"/>
+            </a:xfrm>
+            <a:prstGeom prst="rect">
+              <a:avLst/>
+            </a:prstGeom>
+            <a:noFill/>
+          </p:spPr>
+          <p:txBody>
+            <a:bodyPr wrap="square" rtlCol="0">
+              <a:spAutoFit/>
+            </a:bodyPr>
+            <a:lstStyle/>
+            <a:p>
+              <a:pPr algn="ctr"/>
+              <a:r>
+                <a:rPr lang="en-US" altLang="ko-KR" sz="1400">
+                  <a:solidFill>
+                    <a:schemeClr val="accent5">
+                      <a:lumMod val="75000"/>
+                    </a:schemeClr>
+                  </a:solidFill>
+                </a:rPr>
+                <a:t>atomic_int </a:t>
+              </a:r>
+              <a:r>
+                <a:rPr lang="en-US" altLang="ko-KR" sz="1400"/>
+                <a:t>use_count</a:t>
+              </a:r>
+              <a:endParaRPr lang="en-US" altLang="ko-KR" sz="1400">
+                <a:solidFill>
+                  <a:schemeClr val="accent5">
+                    <a:lumMod val="75000"/>
+                  </a:schemeClr>
+                </a:solidFill>
+              </a:endParaRPr>
+            </a:p>
+            <a:p>
+              <a:pPr algn="ctr"/>
+              <a:r>
+                <a:rPr lang="en-US" altLang="ko-KR" sz="1400">
+                  <a:solidFill>
+                    <a:schemeClr val="accent5">
+                      <a:lumMod val="75000"/>
+                    </a:schemeClr>
+                  </a:solidFill>
+                </a:rPr>
+                <a:t>atomic_int </a:t>
+              </a:r>
+              <a:r>
+                <a:rPr lang="en-US" altLang="ko-KR" sz="1400"/>
+                <a:t>weak_count</a:t>
+              </a:r>
+              <a:endParaRPr lang="en-US" altLang="ko-KR" sz="1400">
+                <a:solidFill>
+                  <a:srgbClr val="FF0000"/>
+                </a:solidFill>
+              </a:endParaRPr>
+            </a:p>
+          </p:txBody>
+        </p:sp>
+        <p:sp>
+          <p:nvSpPr>
+            <p:cNvPr id="11" name="TextBox 10">
+              <a:extLst>
+                <a:ext uri="{FF2B5EF4-FFF2-40B4-BE49-F238E27FC236}">
+                  <a16:creationId xmlns:a16="http://schemas.microsoft.com/office/drawing/2014/main" id="{5FE9CBCC-313D-4C8B-95AC-F8726AB5DB0A}"/>
+                </a:ext>
+              </a:extLst>
+            </p:cNvPr>
+            <p:cNvSpPr txBox="1"/>
+            <p:nvPr/>
+          </p:nvSpPr>
+          <p:spPr>
+            <a:xfrm>
+              <a:off x="3049958" y="2238198"/>
+              <a:ext cx="1061031" cy="164014"/>
+            </a:xfrm>
+            <a:prstGeom prst="rect">
+              <a:avLst/>
+            </a:prstGeom>
+            <a:noFill/>
+            <a:ln>
+              <a:solidFill>
+                <a:schemeClr val="tx1"/>
+              </a:solidFill>
+            </a:ln>
+          </p:spPr>
+          <p:txBody>
+            <a:bodyPr wrap="square" rtlCol="0">
+              <a:spAutoFit/>
+            </a:bodyPr>
+            <a:lstStyle/>
+            <a:p>
+              <a:pPr algn="ctr"/>
+              <a:r>
+                <a:rPr lang="en-US" altLang="ko-KR" sz="1400"/>
+                <a:t>T</a:t>
+              </a:r>
+              <a:endParaRPr lang="ko-KR" altLang="en-US" sz="1400"/>
+            </a:p>
+          </p:txBody>
+        </p:sp>
+        <p:sp>
+          <p:nvSpPr>
+            <p:cNvPr id="12" name="TextBox 11">
+              <a:extLst>
+                <a:ext uri="{FF2B5EF4-FFF2-40B4-BE49-F238E27FC236}">
+                  <a16:creationId xmlns:a16="http://schemas.microsoft.com/office/drawing/2014/main" id="{B01D4EEF-1027-4494-829A-1FC04CCC78CE}"/>
+                </a:ext>
+              </a:extLst>
+            </p:cNvPr>
+            <p:cNvSpPr txBox="1"/>
+            <p:nvPr/>
+          </p:nvSpPr>
+          <p:spPr>
+            <a:xfrm>
+              <a:off x="2783259" y="1305308"/>
+              <a:ext cx="1594432" cy="278823"/>
+            </a:xfrm>
+            <a:prstGeom prst="rect">
+              <a:avLst/>
+            </a:prstGeom>
+            <a:noFill/>
+            <a:ln>
+              <a:solidFill>
+                <a:schemeClr val="tx1"/>
+              </a:solidFill>
+            </a:ln>
+          </p:spPr>
+          <p:txBody>
+            <a:bodyPr wrap="square" rtlCol="0">
+              <a:spAutoFit/>
+            </a:bodyPr>
+            <a:lstStyle/>
+            <a:p>
+              <a:pPr algn="ctr"/>
+              <a:r>
+                <a:rPr lang="en-US" altLang="ko-KR" sz="1400"/>
+                <a:t>template&lt;typename</a:t>
+              </a:r>
+              <a:r>
+                <a:rPr lang="ko-KR" altLang="en-US" sz="1400"/>
+                <a:t> </a:t>
+              </a:r>
+              <a:r>
+                <a:rPr lang="en-US" altLang="ko-KR" sz="1400"/>
+                <a:t>Tp&gt;</a:t>
+              </a:r>
+            </a:p>
+            <a:p>
+              <a:pPr algn="ctr"/>
+              <a:r>
+                <a:rPr lang="en-US" altLang="ko-KR" sz="1400"/>
+                <a:t>LF_control_block*</a:t>
+              </a:r>
+              <a:endParaRPr lang="ko-KR" altLang="en-US" sz="1400"/>
+            </a:p>
+          </p:txBody>
+        </p:sp>
+        <p:sp>
+          <p:nvSpPr>
+            <p:cNvPr id="13" name="TextBox 12">
+              <a:extLst>
+                <a:ext uri="{FF2B5EF4-FFF2-40B4-BE49-F238E27FC236}">
+                  <a16:creationId xmlns:a16="http://schemas.microsoft.com/office/drawing/2014/main" id="{F44443C5-9CCC-46FE-B8E4-33818FCE30F9}"/>
+                </a:ext>
+              </a:extLst>
+            </p:cNvPr>
+            <p:cNvSpPr txBox="1"/>
+            <p:nvPr/>
+          </p:nvSpPr>
+          <p:spPr>
+            <a:xfrm>
+              <a:off x="3292868" y="1593579"/>
+              <a:ext cx="575213" cy="164014"/>
+            </a:xfrm>
+            <a:prstGeom prst="rect">
+              <a:avLst/>
+            </a:prstGeom>
+            <a:noFill/>
+          </p:spPr>
+          <p:txBody>
+            <a:bodyPr wrap="square" rtlCol="0">
+              <a:spAutoFit/>
+            </a:bodyPr>
+            <a:lstStyle/>
+            <a:p>
+              <a:pPr algn="ctr"/>
+              <a:r>
+                <a:rPr lang="en-US" altLang="ko-KR" sz="1400">
+                  <a:solidFill>
+                    <a:schemeClr val="accent5">
+                      <a:lumMod val="75000"/>
+                    </a:schemeClr>
+                  </a:solidFill>
+                </a:rPr>
+                <a:t>T* </a:t>
+              </a:r>
+              <a:r>
+                <a:rPr lang="en-US" altLang="ko-KR" sz="1400"/>
+                <a:t>ptr</a:t>
+              </a:r>
+            </a:p>
+          </p:txBody>
+        </p:sp>
+        <p:sp>
+          <p:nvSpPr>
+            <p:cNvPr id="14" name="직사각형 13">
+              <a:extLst>
+                <a:ext uri="{FF2B5EF4-FFF2-40B4-BE49-F238E27FC236}">
+                  <a16:creationId xmlns:a16="http://schemas.microsoft.com/office/drawing/2014/main" id="{D49C20FD-24A4-42C3-935E-0C85249D87B7}"/>
+                </a:ext>
+              </a:extLst>
+            </p:cNvPr>
+            <p:cNvSpPr/>
+            <p:nvPr/>
+          </p:nvSpPr>
+          <p:spPr>
+            <a:xfrm>
+              <a:off x="2783258" y="1305308"/>
+              <a:ext cx="1594433" cy="889949"/>
+            </a:xfrm>
+            <a:prstGeom prst="rect">
+              <a:avLst/>
+            </a:prstGeom>
+            <a:noFill/>
+            <a:ln>
+              <a:solidFill>
+                <a:schemeClr val="tx1"/>
+              </a:solidFill>
+            </a:ln>
+          </p:spPr>
+          <p:style>
+            <a:lnRef idx="2">
+              <a:schemeClr val="accent1">
+                <a:shade val="50000"/>
+              </a:schemeClr>
+            </a:lnRef>
+            <a:fillRef idx="1">
+              <a:schemeClr val="accent1"/>
+            </a:fillRef>
+            <a:effectRef idx="0">
+              <a:schemeClr val="accent1"/>
+            </a:effectRef>
+            <a:fontRef idx="minor">
+              <a:schemeClr val="lt1"/>
+            </a:fontRef>
+          </p:style>
+          <p:txBody>
+            <a:bodyPr rtlCol="0" anchor="ctr"/>
+            <a:lstStyle/>
+            <a:p>
+              <a:pPr algn="ctr"/>
+              <a:endParaRPr lang="ko-KR" altLang="en-US" sz="1400"/>
+            </a:p>
+          </p:txBody>
+        </p:sp>
+        <p:cxnSp>
+          <p:nvCxnSpPr>
+            <p:cNvPr id="15" name="연결선: 꺾임 14">
+              <a:extLst>
+                <a:ext uri="{FF2B5EF4-FFF2-40B4-BE49-F238E27FC236}">
+                  <a16:creationId xmlns:a16="http://schemas.microsoft.com/office/drawing/2014/main" id="{6177A3D5-7010-4AF8-B5F9-1DD3CF890EDE}"/>
+                </a:ext>
+              </a:extLst>
+            </p:cNvPr>
+            <p:cNvCxnSpPr>
+              <a:cxnSpLocks/>
+              <a:stCxn id="6" idx="3"/>
+              <a:endCxn id="12" idx="1"/>
+            </p:cNvCxnSpPr>
+            <p:nvPr/>
+          </p:nvCxnSpPr>
+          <p:spPr>
+            <a:xfrm flipV="1">
+              <a:off x="2299331" y="1444720"/>
+              <a:ext cx="483928" cy="375271"/>
+            </a:xfrm>
+            <a:prstGeom prst="bentConnector3">
+              <a:avLst>
+                <a:gd name="adj1" fmla="val 50000"/>
+              </a:avLst>
+            </a:prstGeom>
+            <a:ln w="19050">
+              <a:solidFill>
+                <a:srgbClr val="0070C0"/>
+              </a:solidFill>
+              <a:tailEnd type="triangle"/>
+            </a:ln>
+          </p:spPr>
+          <p:style>
+            <a:lnRef idx="2">
+              <a:schemeClr val="dk1"/>
+            </a:lnRef>
+            <a:fillRef idx="0">
+              <a:schemeClr val="dk1"/>
+            </a:fillRef>
+            <a:effectRef idx="1">
+              <a:schemeClr val="dk1"/>
+            </a:effectRef>
+            <a:fontRef idx="minor">
+              <a:schemeClr val="tx1"/>
+            </a:fontRef>
+          </p:style>
+        </p:cxnSp>
+        <p:cxnSp>
+          <p:nvCxnSpPr>
+            <p:cNvPr id="16" name="연결선: 꺾임 15">
+              <a:extLst>
+                <a:ext uri="{FF2B5EF4-FFF2-40B4-BE49-F238E27FC236}">
+                  <a16:creationId xmlns:a16="http://schemas.microsoft.com/office/drawing/2014/main" id="{E62F17DB-E71B-42CD-ABD4-53195917B956}"/>
+                </a:ext>
+              </a:extLst>
+            </p:cNvPr>
+            <p:cNvCxnSpPr>
+              <a:cxnSpLocks/>
+              <a:stCxn id="22" idx="3"/>
+              <a:endCxn id="12" idx="1"/>
+            </p:cNvCxnSpPr>
+            <p:nvPr/>
+          </p:nvCxnSpPr>
+          <p:spPr>
+            <a:xfrm flipV="1">
+              <a:off x="2372794" y="1444720"/>
+              <a:ext cx="410465" cy="1273962"/>
+            </a:xfrm>
+            <a:prstGeom prst="bentConnector3">
+              <a:avLst>
+                <a:gd name="adj1" fmla="val 50000"/>
+              </a:avLst>
+            </a:prstGeom>
+            <a:ln w="19050">
+              <a:solidFill>
+                <a:srgbClr val="0070C0"/>
+              </a:solidFill>
+              <a:tailEnd type="triangle"/>
+            </a:ln>
+          </p:spPr>
+          <p:style>
+            <a:lnRef idx="2">
+              <a:schemeClr val="dk1"/>
+            </a:lnRef>
+            <a:fillRef idx="0">
+              <a:schemeClr val="dk1"/>
+            </a:fillRef>
+            <a:effectRef idx="1">
+              <a:schemeClr val="dk1"/>
+            </a:effectRef>
+            <a:fontRef idx="minor">
+              <a:schemeClr val="tx1"/>
+            </a:fontRef>
+          </p:style>
+        </p:cxnSp>
+        <p:cxnSp>
+          <p:nvCxnSpPr>
+            <p:cNvPr id="17" name="연결선: 꺾임 16">
+              <a:extLst>
+                <a:ext uri="{FF2B5EF4-FFF2-40B4-BE49-F238E27FC236}">
+                  <a16:creationId xmlns:a16="http://schemas.microsoft.com/office/drawing/2014/main" id="{A29B3182-1715-4C70-A83F-186BD5761406}"/>
+                </a:ext>
+              </a:extLst>
+            </p:cNvPr>
+            <p:cNvCxnSpPr>
+              <a:cxnSpLocks/>
+              <a:stCxn id="13" idx="3"/>
+              <a:endCxn id="11" idx="3"/>
+            </p:cNvCxnSpPr>
+            <p:nvPr/>
+          </p:nvCxnSpPr>
+          <p:spPr>
+            <a:xfrm>
+              <a:off x="3868081" y="1675586"/>
+              <a:ext cx="242908" cy="644619"/>
+            </a:xfrm>
+            <a:prstGeom prst="bentConnector3">
+              <a:avLst>
+                <a:gd name="adj1" fmla="val 158464"/>
+              </a:avLst>
+            </a:prstGeom>
+            <a:ln w="19050">
+              <a:solidFill>
+                <a:schemeClr val="accent2"/>
+              </a:solidFill>
+              <a:tailEnd type="triangle"/>
+            </a:ln>
+          </p:spPr>
+          <p:style>
+            <a:lnRef idx="2">
+              <a:schemeClr val="dk1"/>
+            </a:lnRef>
+            <a:fillRef idx="0">
+              <a:schemeClr val="dk1"/>
+            </a:fillRef>
+            <a:effectRef idx="1">
+              <a:schemeClr val="dk1"/>
+            </a:effectRef>
+            <a:fontRef idx="minor">
+              <a:schemeClr val="tx1"/>
+            </a:fontRef>
+          </p:style>
+        </p:cxnSp>
+        <p:sp>
+          <p:nvSpPr>
+            <p:cNvPr id="18" name="TextBox 17">
+              <a:extLst>
+                <a:ext uri="{FF2B5EF4-FFF2-40B4-BE49-F238E27FC236}">
+                  <a16:creationId xmlns:a16="http://schemas.microsoft.com/office/drawing/2014/main" id="{D9242D09-9EE4-409A-8D0F-07DB20D1538C}"/>
+                </a:ext>
+              </a:extLst>
+            </p:cNvPr>
+            <p:cNvSpPr txBox="1"/>
+            <p:nvPr/>
+          </p:nvSpPr>
+          <p:spPr>
+            <a:xfrm>
+              <a:off x="2848503" y="2571555"/>
+              <a:ext cx="1487277" cy="393632"/>
+            </a:xfrm>
+            <a:prstGeom prst="rect">
+              <a:avLst/>
+            </a:prstGeom>
+            <a:noFill/>
+            <a:ln>
+              <a:solidFill>
+                <a:schemeClr val="tx1"/>
+              </a:solidFill>
+            </a:ln>
+          </p:spPr>
+          <p:txBody>
+            <a:bodyPr wrap="square" rtlCol="0">
+              <a:spAutoFit/>
+            </a:bodyPr>
+            <a:lstStyle/>
+            <a:p>
+              <a:pPr algn="ctr"/>
+              <a:r>
+                <a:rPr lang="en-US" altLang="ko-KR" sz="1400"/>
+                <a:t>template&lt;typename</a:t>
+              </a:r>
+              <a:r>
+                <a:rPr lang="ko-KR" altLang="en-US" sz="1400"/>
+                <a:t> </a:t>
+              </a:r>
+              <a:r>
+                <a:rPr lang="en-US" altLang="ko-KR" sz="1400"/>
+                <a:t>Tp&gt; LF_enable_shared_from_this</a:t>
+              </a:r>
+              <a:endParaRPr lang="ko-KR" altLang="en-US" sz="1400"/>
+            </a:p>
+          </p:txBody>
+        </p:sp>
+        <p:sp>
+          <p:nvSpPr>
+            <p:cNvPr id="19" name="TextBox 18">
+              <a:extLst>
+                <a:ext uri="{FF2B5EF4-FFF2-40B4-BE49-F238E27FC236}">
+                  <a16:creationId xmlns:a16="http://schemas.microsoft.com/office/drawing/2014/main" id="{8164C40E-70CF-4DE8-B626-C054EF969117}"/>
+                </a:ext>
+              </a:extLst>
+            </p:cNvPr>
+            <p:cNvSpPr txBox="1"/>
+            <p:nvPr/>
+          </p:nvSpPr>
+          <p:spPr>
+            <a:xfrm>
+              <a:off x="2853115" y="2959716"/>
+              <a:ext cx="1487276" cy="164014"/>
+            </a:xfrm>
+            <a:prstGeom prst="rect">
+              <a:avLst/>
+            </a:prstGeom>
+            <a:noFill/>
+          </p:spPr>
+          <p:txBody>
+            <a:bodyPr wrap="square" rtlCol="0">
+              <a:spAutoFit/>
+            </a:bodyPr>
+            <a:lstStyle/>
+            <a:p>
+              <a:pPr algn="ctr"/>
+              <a:r>
+                <a:rPr lang="en-US" altLang="ko-KR" sz="1400">
+                  <a:solidFill>
+                    <a:schemeClr val="accent5">
+                      <a:lumMod val="75000"/>
+                    </a:schemeClr>
+                  </a:solidFill>
+                </a:rPr>
+                <a:t>weak_ptr&lt;Tp&gt;</a:t>
+              </a:r>
+              <a:r>
+                <a:rPr lang="ko-KR" altLang="en-US" sz="1400">
+                  <a:solidFill>
+                    <a:schemeClr val="accent5">
+                      <a:lumMod val="75000"/>
+                    </a:schemeClr>
+                  </a:solidFill>
+                </a:rPr>
+                <a:t> </a:t>
+              </a:r>
+              <a:r>
+                <a:rPr lang="en-US" altLang="ko-KR" sz="1400"/>
+                <a:t>Wptr</a:t>
+              </a:r>
+              <a:endParaRPr lang="ko-KR" altLang="en-US" sz="1400">
+                <a:solidFill>
+                  <a:schemeClr val="accent5">
+                    <a:lumMod val="75000"/>
+                  </a:schemeClr>
+                </a:solidFill>
+              </a:endParaRPr>
+            </a:p>
+          </p:txBody>
+        </p:sp>
+        <p:sp>
+          <p:nvSpPr>
+            <p:cNvPr id="20" name="직사각형 19">
+              <a:extLst>
+                <a:ext uri="{FF2B5EF4-FFF2-40B4-BE49-F238E27FC236}">
+                  <a16:creationId xmlns:a16="http://schemas.microsoft.com/office/drawing/2014/main" id="{8D2B00CE-7504-453C-9166-A8877349C38C}"/>
+                </a:ext>
+              </a:extLst>
+            </p:cNvPr>
+            <p:cNvSpPr/>
+            <p:nvPr/>
+          </p:nvSpPr>
+          <p:spPr>
+            <a:xfrm>
+              <a:off x="2848504" y="2568064"/>
+              <a:ext cx="1487276" cy="557490"/>
+            </a:xfrm>
+            <a:prstGeom prst="rect">
+              <a:avLst/>
+            </a:prstGeom>
+            <a:noFill/>
+            <a:ln>
+              <a:solidFill>
+                <a:schemeClr val="tx1"/>
+              </a:solidFill>
+            </a:ln>
+          </p:spPr>
+          <p:style>
+            <a:lnRef idx="2">
+              <a:schemeClr val="accent1">
+                <a:shade val="50000"/>
+              </a:schemeClr>
+            </a:lnRef>
+            <a:fillRef idx="1">
+              <a:schemeClr val="accent1"/>
+            </a:fillRef>
+            <a:effectRef idx="0">
+              <a:schemeClr val="accent1"/>
+            </a:effectRef>
+            <a:fontRef idx="minor">
+              <a:schemeClr val="lt1"/>
+            </a:fontRef>
+          </p:style>
+          <p:txBody>
+            <a:bodyPr rtlCol="0" anchor="ctr"/>
+            <a:lstStyle/>
+            <a:p>
+              <a:pPr algn="ctr"/>
+              <a:endParaRPr lang="ko-KR" altLang="en-US" sz="1400"/>
+            </a:p>
+          </p:txBody>
+        </p:sp>
+        <p:cxnSp>
+          <p:nvCxnSpPr>
+            <p:cNvPr id="21" name="연결선: 꺾임 20">
+              <a:extLst>
+                <a:ext uri="{FF2B5EF4-FFF2-40B4-BE49-F238E27FC236}">
+                  <a16:creationId xmlns:a16="http://schemas.microsoft.com/office/drawing/2014/main" id="{CC50B52C-B4B5-41C2-A06B-8339A8CF8BCB}"/>
+                </a:ext>
+              </a:extLst>
+            </p:cNvPr>
+            <p:cNvCxnSpPr>
+              <a:cxnSpLocks/>
+              <a:stCxn id="19" idx="1"/>
+              <a:endCxn id="8" idx="3"/>
+            </p:cNvCxnSpPr>
+            <p:nvPr/>
+          </p:nvCxnSpPr>
+          <p:spPr>
+            <a:xfrm rot="10800000">
+              <a:off x="2372795" y="2438859"/>
+              <a:ext cx="480320" cy="602864"/>
+            </a:xfrm>
+            <a:prstGeom prst="bentConnector3">
+              <a:avLst>
+                <a:gd name="adj1" fmla="val 50000"/>
+              </a:avLst>
+            </a:prstGeom>
+            <a:ln w="19050">
+              <a:solidFill>
+                <a:schemeClr val="accent6"/>
+              </a:solidFill>
+              <a:tailEnd type="triangle"/>
+            </a:ln>
+          </p:spPr>
+          <p:style>
+            <a:lnRef idx="2">
+              <a:schemeClr val="dk1"/>
+            </a:lnRef>
+            <a:fillRef idx="0">
+              <a:schemeClr val="dk1"/>
+            </a:fillRef>
+            <a:effectRef idx="1">
+              <a:schemeClr val="dk1"/>
+            </a:effectRef>
+            <a:fontRef idx="minor">
+              <a:schemeClr val="tx1"/>
+            </a:fontRef>
+          </p:style>
+        </p:cxnSp>
+        <p:sp>
+          <p:nvSpPr>
+            <p:cNvPr id="22" name="TextBox 21">
+              <a:extLst>
+                <a:ext uri="{FF2B5EF4-FFF2-40B4-BE49-F238E27FC236}">
+                  <a16:creationId xmlns:a16="http://schemas.microsoft.com/office/drawing/2014/main" id="{BC894A7D-CAF6-49C7-B8EC-796798832EA5}"/>
+                </a:ext>
+              </a:extLst>
+            </p:cNvPr>
+            <p:cNvSpPr txBox="1"/>
+            <p:nvPr/>
+          </p:nvSpPr>
+          <p:spPr>
+            <a:xfrm>
+              <a:off x="980919" y="2579270"/>
+              <a:ext cx="1391875" cy="278823"/>
+            </a:xfrm>
+            <a:prstGeom prst="rect">
+              <a:avLst/>
+            </a:prstGeom>
+            <a:noFill/>
+          </p:spPr>
+          <p:txBody>
+            <a:bodyPr wrap="square" rtlCol="0">
+              <a:spAutoFit/>
+            </a:bodyPr>
+            <a:lstStyle/>
+            <a:p>
+              <a:pPr algn="ctr"/>
+              <a:r>
+                <a:rPr lang="en-US" altLang="ko-KR" sz="1400">
+                  <a:solidFill>
+                    <a:schemeClr val="accent5">
+                      <a:lumMod val="75000"/>
+                    </a:schemeClr>
+                  </a:solidFill>
+                </a:rPr>
+                <a:t>control_block&lt;Tp&gt;* </a:t>
+              </a:r>
+              <a:r>
+                <a:rPr lang="en-US" altLang="ko-KR" sz="1400"/>
+                <a:t>ctr</a:t>
+              </a:r>
+            </a:p>
+            <a:p>
+              <a:pPr algn="ctr"/>
+              <a:r>
+                <a:rPr lang="en-US" altLang="ko-KR" sz="1400">
+                  <a:solidFill>
+                    <a:srgbClr val="2B91AF"/>
+                  </a:solidFill>
+                </a:rPr>
+                <a:t>atomic_int </a:t>
+              </a:r>
+              <a:r>
+                <a:rPr lang="en-US" altLang="ko-KR" sz="1400"/>
+                <a:t>thread_count</a:t>
+              </a:r>
+            </a:p>
+          </p:txBody>
+        </p:sp>
+      </p:grpSp>
+      <p:sp>
+        <p:nvSpPr>
+          <p:cNvPr id="3" name="TextBox 2">
+            <a:extLst>
+              <a:ext uri="{FF2B5EF4-FFF2-40B4-BE49-F238E27FC236}">
+                <a16:creationId xmlns:a16="http://schemas.microsoft.com/office/drawing/2014/main" id="{79D6E215-4F6A-4164-8C88-144EB07C7482}"/>
+              </a:ext>
+            </a:extLst>
+          </p:cNvPr>
+          <p:cNvSpPr txBox="1"/>
+          <p:nvPr/>
+        </p:nvSpPr>
+        <p:spPr>
+          <a:xfrm>
+            <a:off x="2096860" y="4797320"/>
+            <a:ext cx="6670352" cy="646331"/>
+          </a:xfrm>
+          <a:prstGeom prst="rect">
+            <a:avLst/>
+          </a:prstGeom>
+          <a:noFill/>
+        </p:spPr>
+        <p:txBody>
+          <a:bodyPr wrap="none" rtlCol="0">
+            <a:spAutoFit/>
+          </a:bodyPr>
+          <a:lstStyle/>
+          <a:p>
+            <a:r>
+              <a:rPr lang="en-US" altLang="ko-KR"/>
+              <a:t>Thread_count</a:t>
+            </a:r>
+            <a:r>
+              <a:rPr lang="ko-KR" altLang="en-US"/>
+              <a:t>는 다른 쓰레드가 참조할때 증가한다 </a:t>
+            </a:r>
+            <a:r>
+              <a:rPr lang="en-US" altLang="ko-KR"/>
+              <a:t>( </a:t>
+            </a:r>
+            <a:r>
+              <a:rPr lang="ko-KR" altLang="en-US"/>
+              <a:t>초기값 </a:t>
+            </a:r>
+            <a:r>
+              <a:rPr lang="en-US" altLang="ko-KR"/>
+              <a:t>0 )</a:t>
+            </a:r>
+          </a:p>
+          <a:p>
+            <a:endParaRPr lang="ko-KR" altLang="en-US"/>
+          </a:p>
+        </p:txBody>
+      </p:sp>
+    </p:spTree>
+    <p:extLst>
+      <p:ext uri="{BB962C8B-B14F-4D97-AF65-F5344CB8AC3E}">
+        <p14:creationId xmlns:p14="http://schemas.microsoft.com/office/powerpoint/2010/main" val="2333758416"/>
+      </p:ext>
+    </p:extLst>
+  </p:cSld>
+  <p:clrMapOvr>
+    <a:masterClrMapping/>
+  </p:clrMapOvr>
+</p:sld>
+</file>
+
+<file path=ppt/slides/slide5.xml><?xml version="1.0" encoding="utf-8"?>
+<p:sld xmlns:a="http://schemas.openxmlformats.org/drawingml/2006/main" xmlns:r="http://schemas.openxmlformats.org/officeDocument/2006/relationships" xmlns:p="http://schemas.openxmlformats.org/presentationml/2006/main">
+  <p:cSld>
+    <p:spTree>
+      <p:nvGrpSpPr>
+        <p:cNvPr id="1" name=""/>
+        <p:cNvGrpSpPr/>
+        <p:nvPr/>
+      </p:nvGrpSpPr>
+      <p:grpSpPr>
+        <a:xfrm>
+          <a:off x="0" y="0"/>
+          <a:ext cx="0" cy="0"/>
+          <a:chOff x="0" y="0"/>
+          <a:chExt cx="0" cy="0"/>
+        </a:xfrm>
+      </p:grpSpPr>
+      <p:sp>
+        <p:nvSpPr>
+          <p:cNvPr id="5" name="TextBox 4">
+            <a:extLst>
+              <a:ext uri="{FF2B5EF4-FFF2-40B4-BE49-F238E27FC236}">
+                <a16:creationId xmlns:a16="http://schemas.microsoft.com/office/drawing/2014/main" id="{453D93AE-6148-455A-AD76-DB4C818D13C8}"/>
+              </a:ext>
+            </a:extLst>
+          </p:cNvPr>
+          <p:cNvSpPr txBox="1"/>
+          <p:nvPr/>
+        </p:nvSpPr>
+        <p:spPr>
+          <a:xfrm>
+            <a:off x="6096000" y="151179"/>
+            <a:ext cx="5852832" cy="3046988"/>
+          </a:xfrm>
+          <a:prstGeom prst="rect">
+            <a:avLst/>
+          </a:prstGeom>
+          <a:noFill/>
+        </p:spPr>
+        <p:txBody>
+          <a:bodyPr wrap="square">
+            <a:spAutoFit/>
+          </a:bodyPr>
+          <a:lstStyle/>
+          <a:p>
+            <a:r>
+              <a:rPr lang="en-US" altLang="ko-KR" sz="1200">
+                <a:solidFill>
+                  <a:srgbClr val="0000FF"/>
+                </a:solidFill>
+                <a:latin typeface="돋움체" panose="020B0609000101010101" pitchFamily="49" charset="-127"/>
+                <a:ea typeface="돋움체" panose="020B0609000101010101" pitchFamily="49" charset="-127"/>
+              </a:rPr>
+              <a:t>void</a:t>
+            </a:r>
+            <a:r>
+              <a:rPr lang="en-US" altLang="ko-KR" sz="1200">
+                <a:solidFill>
+                  <a:srgbClr val="000000"/>
+                </a:solidFill>
+                <a:latin typeface="돋움체" panose="020B0609000101010101" pitchFamily="49" charset="-127"/>
+                <a:ea typeface="돋움체" panose="020B0609000101010101" pitchFamily="49" charset="-127"/>
+              </a:rPr>
+              <a:t> </a:t>
+            </a:r>
+            <a:r>
+              <a:rPr lang="en-US" altLang="ko-KR" sz="1200">
+                <a:solidFill>
+                  <a:srgbClr val="2B91AF"/>
+                </a:solidFill>
+                <a:latin typeface="돋움체" panose="020B0609000101010101" pitchFamily="49" charset="-127"/>
+                <a:ea typeface="돋움체" panose="020B0609000101010101" pitchFamily="49" charset="-127"/>
+              </a:rPr>
+              <a:t>control_block</a:t>
+            </a:r>
+            <a:r>
+              <a:rPr lang="en-US" altLang="ko-KR" sz="1200">
+                <a:solidFill>
+                  <a:srgbClr val="000000"/>
+                </a:solidFill>
+                <a:latin typeface="돋움체" panose="020B0609000101010101" pitchFamily="49" charset="-127"/>
+                <a:ea typeface="돋움체" panose="020B0609000101010101" pitchFamily="49" charset="-127"/>
+              </a:rPr>
+              <a:t>::weak_release() </a:t>
+            </a:r>
+            <a:r>
+              <a:rPr lang="en-US" altLang="ko-KR" sz="1200">
+                <a:solidFill>
+                  <a:srgbClr val="0000FF"/>
+                </a:solidFill>
+                <a:latin typeface="돋움체" panose="020B0609000101010101" pitchFamily="49" charset="-127"/>
+                <a:ea typeface="돋움체" panose="020B0609000101010101" pitchFamily="49" charset="-127"/>
+              </a:rPr>
+              <a:t>noexcept</a:t>
+            </a:r>
+            <a:endParaRPr lang="en-US" altLang="ko-KR" sz="1200">
+              <a:solidFill>
+                <a:srgbClr val="000000"/>
+              </a:solidFill>
+              <a:latin typeface="돋움체" panose="020B0609000101010101" pitchFamily="49" charset="-127"/>
+              <a:ea typeface="돋움체" panose="020B0609000101010101" pitchFamily="49" charset="-127"/>
+            </a:endParaRPr>
+          </a:p>
+          <a:p>
+            <a:r>
+              <a:rPr lang="en-US" altLang="ko-KR" sz="1200">
+                <a:solidFill>
+                  <a:srgbClr val="000000"/>
+                </a:solidFill>
+                <a:latin typeface="돋움체" panose="020B0609000101010101" pitchFamily="49" charset="-127"/>
+                <a:ea typeface="돋움체" panose="020B0609000101010101" pitchFamily="49" charset="-127"/>
+              </a:rPr>
+              <a:t>{</a:t>
+            </a:r>
+          </a:p>
+          <a:p>
+            <a:r>
+              <a:rPr lang="en-US" altLang="ko-KR" sz="1200">
+                <a:solidFill>
+                  <a:srgbClr val="0000FF"/>
+                </a:solidFill>
+                <a:latin typeface="돋움체" panose="020B0609000101010101" pitchFamily="49" charset="-127"/>
+                <a:ea typeface="돋움체" panose="020B0609000101010101" pitchFamily="49" charset="-127"/>
+              </a:rPr>
+              <a:t>    int</a:t>
+            </a:r>
+            <a:r>
+              <a:rPr lang="en-US" altLang="ko-KR" sz="1200">
+                <a:solidFill>
+                  <a:srgbClr val="000000"/>
+                </a:solidFill>
+                <a:latin typeface="돋움체" panose="020B0609000101010101" pitchFamily="49" charset="-127"/>
+                <a:ea typeface="돋움체" panose="020B0609000101010101" pitchFamily="49" charset="-127"/>
+              </a:rPr>
+              <a:t> curr_weak_count;</a:t>
+            </a:r>
+          </a:p>
+          <a:p>
+            <a:r>
+              <a:rPr lang="en-US" altLang="ko-KR" sz="1200">
+                <a:solidFill>
+                  <a:srgbClr val="0000FF"/>
+                </a:solidFill>
+                <a:latin typeface="돋움체" panose="020B0609000101010101" pitchFamily="49" charset="-127"/>
+                <a:ea typeface="돋움체" panose="020B0609000101010101" pitchFamily="49" charset="-127"/>
+              </a:rPr>
+              <a:t> </a:t>
+            </a:r>
+          </a:p>
+          <a:p>
+            <a:r>
+              <a:rPr lang="en-US" altLang="ko-KR" sz="1200">
+                <a:solidFill>
+                  <a:srgbClr val="0000FF"/>
+                </a:solidFill>
+                <a:latin typeface="돋움체" panose="020B0609000101010101" pitchFamily="49" charset="-127"/>
+                <a:ea typeface="돋움체" panose="020B0609000101010101" pitchFamily="49" charset="-127"/>
+              </a:rPr>
+              <a:t>    while</a:t>
+            </a:r>
+            <a:r>
+              <a:rPr lang="en-US" altLang="ko-KR" sz="1200">
+                <a:solidFill>
+                  <a:srgbClr val="000000"/>
+                </a:solidFill>
+                <a:latin typeface="돋움체" panose="020B0609000101010101" pitchFamily="49" charset="-127"/>
+                <a:ea typeface="돋움체" panose="020B0609000101010101" pitchFamily="49" charset="-127"/>
+              </a:rPr>
+              <a:t> (</a:t>
+            </a:r>
+            <a:r>
+              <a:rPr lang="en-US" altLang="ko-KR" sz="1200">
+                <a:solidFill>
+                  <a:srgbClr val="0000FF"/>
+                </a:solidFill>
+                <a:latin typeface="돋움체" panose="020B0609000101010101" pitchFamily="49" charset="-127"/>
+                <a:ea typeface="돋움체" panose="020B0609000101010101" pitchFamily="49" charset="-127"/>
+              </a:rPr>
+              <a:t>true</a:t>
+            </a:r>
+            <a:r>
+              <a:rPr lang="en-US" altLang="ko-KR" sz="1200">
+                <a:solidFill>
+                  <a:srgbClr val="000000"/>
+                </a:solidFill>
+                <a:latin typeface="돋움체" panose="020B0609000101010101" pitchFamily="49" charset="-127"/>
+                <a:ea typeface="돋움체" panose="020B0609000101010101" pitchFamily="49" charset="-127"/>
+              </a:rPr>
+              <a:t>)</a:t>
+            </a:r>
+          </a:p>
+          <a:p>
+            <a:r>
+              <a:rPr lang="en-US" altLang="ko-KR" sz="1200">
+                <a:solidFill>
+                  <a:srgbClr val="000000"/>
+                </a:solidFill>
+                <a:latin typeface="돋움체" panose="020B0609000101010101" pitchFamily="49" charset="-127"/>
+                <a:ea typeface="돋움체" panose="020B0609000101010101" pitchFamily="49" charset="-127"/>
+              </a:rPr>
+              <a:t>    {</a:t>
+            </a:r>
+          </a:p>
+          <a:p>
+            <a:r>
+              <a:rPr lang="en-US" altLang="ko-KR" sz="1200">
+                <a:solidFill>
+                  <a:srgbClr val="000000"/>
+                </a:solidFill>
+                <a:latin typeface="돋움체" panose="020B0609000101010101" pitchFamily="49" charset="-127"/>
+                <a:ea typeface="돋움체" panose="020B0609000101010101" pitchFamily="49" charset="-127"/>
+              </a:rPr>
+              <a:t>        curr_weak_count = weak_count;</a:t>
+            </a:r>
+          </a:p>
+          <a:p>
+            <a:endParaRPr lang="ko-KR" altLang="en-US" sz="1200">
+              <a:solidFill>
+                <a:srgbClr val="000000"/>
+              </a:solidFill>
+              <a:latin typeface="돋움체" panose="020B0609000101010101" pitchFamily="49" charset="-127"/>
+              <a:ea typeface="돋움체" panose="020B0609000101010101" pitchFamily="49" charset="-127"/>
+            </a:endParaRPr>
+          </a:p>
+          <a:p>
+            <a:r>
+              <a:rPr lang="en-US" altLang="ko-KR" sz="1200">
+                <a:solidFill>
+                  <a:srgbClr val="0000FF"/>
+                </a:solidFill>
+                <a:latin typeface="돋움체" panose="020B0609000101010101" pitchFamily="49" charset="-127"/>
+                <a:ea typeface="돋움체" panose="020B0609000101010101" pitchFamily="49" charset="-127"/>
+              </a:rPr>
+              <a:t>        if</a:t>
+            </a:r>
+            <a:r>
+              <a:rPr lang="en-US" altLang="ko-KR" sz="1200">
+                <a:solidFill>
+                  <a:srgbClr val="000000"/>
+                </a:solidFill>
+                <a:latin typeface="돋움체" panose="020B0609000101010101" pitchFamily="49" charset="-127"/>
+                <a:ea typeface="돋움체" panose="020B0609000101010101" pitchFamily="49" charset="-127"/>
+              </a:rPr>
+              <a:t> (</a:t>
+            </a:r>
+            <a:r>
+              <a:rPr lang="en-US" altLang="ko-KR" sz="1200">
+                <a:solidFill>
+                  <a:srgbClr val="0000FF"/>
+                </a:solidFill>
+                <a:latin typeface="돋움체" panose="020B0609000101010101" pitchFamily="49" charset="-127"/>
+                <a:ea typeface="돋움체" panose="020B0609000101010101" pitchFamily="49" charset="-127"/>
+              </a:rPr>
+              <a:t>true</a:t>
+            </a:r>
+            <a:r>
+              <a:rPr lang="en-US" altLang="ko-KR" sz="1200">
+                <a:solidFill>
+                  <a:srgbClr val="000000"/>
+                </a:solidFill>
+                <a:latin typeface="돋움체" panose="020B0609000101010101" pitchFamily="49" charset="-127"/>
+                <a:ea typeface="돋움체" panose="020B0609000101010101" pitchFamily="49" charset="-127"/>
+              </a:rPr>
+              <a:t> == CAS(&amp;weak_count, curr_weak_count,curr_weak_count - 1))</a:t>
+            </a:r>
+          </a:p>
+          <a:p>
+            <a:r>
+              <a:rPr lang="en-US" altLang="ko-KR" sz="1200">
+                <a:solidFill>
+                  <a:srgbClr val="000000"/>
+                </a:solidFill>
+                <a:latin typeface="돋움체" panose="020B0609000101010101" pitchFamily="49" charset="-127"/>
+                <a:ea typeface="돋움체" panose="020B0609000101010101" pitchFamily="49" charset="-127"/>
+              </a:rPr>
+              <a:t>        {</a:t>
+            </a:r>
+          </a:p>
+          <a:p>
+            <a:r>
+              <a:rPr lang="en-US" altLang="ko-KR" sz="1200">
+                <a:solidFill>
+                  <a:srgbClr val="000000"/>
+                </a:solidFill>
+                <a:latin typeface="돋움체" panose="020B0609000101010101" pitchFamily="49" charset="-127"/>
+                <a:ea typeface="돋움체" panose="020B0609000101010101" pitchFamily="49" charset="-127"/>
+              </a:rPr>
+              <a:t>            </a:t>
+            </a:r>
+            <a:r>
+              <a:rPr lang="en-US" altLang="ko-KR" sz="1200">
+                <a:solidFill>
+                  <a:srgbClr val="0000FF"/>
+                </a:solidFill>
+                <a:latin typeface="돋움체" panose="020B0609000101010101" pitchFamily="49" charset="-127"/>
+                <a:ea typeface="돋움체" panose="020B0609000101010101" pitchFamily="49" charset="-127"/>
+              </a:rPr>
+              <a:t>if</a:t>
+            </a:r>
+            <a:r>
+              <a:rPr lang="en-US" altLang="ko-KR" sz="1200">
+                <a:solidFill>
+                  <a:srgbClr val="000000"/>
+                </a:solidFill>
+                <a:latin typeface="돋움체" panose="020B0609000101010101" pitchFamily="49" charset="-127"/>
+                <a:ea typeface="돋움체" panose="020B0609000101010101" pitchFamily="49" charset="-127"/>
+              </a:rPr>
+              <a:t> (curr_weak_count == 1)</a:t>
+            </a:r>
+          </a:p>
+          <a:p>
+            <a:r>
+              <a:rPr lang="en-US" altLang="ko-KR" sz="1200">
+                <a:solidFill>
+                  <a:srgbClr val="0000FF"/>
+                </a:solidFill>
+                <a:latin typeface="돋움체" panose="020B0609000101010101" pitchFamily="49" charset="-127"/>
+                <a:ea typeface="돋움체" panose="020B0609000101010101" pitchFamily="49" charset="-127"/>
+              </a:rPr>
+              <a:t>	    delete this;</a:t>
+            </a:r>
+            <a:endParaRPr lang="en-US" altLang="ko-KR" sz="1200">
+              <a:solidFill>
+                <a:srgbClr val="000000"/>
+              </a:solidFill>
+              <a:latin typeface="돋움체" panose="020B0609000101010101" pitchFamily="49" charset="-127"/>
+              <a:ea typeface="돋움체" panose="020B0609000101010101" pitchFamily="49" charset="-127"/>
+            </a:endParaRPr>
+          </a:p>
+          <a:p>
+            <a:r>
+              <a:rPr lang="en-US" altLang="ko-KR" sz="1200">
+                <a:solidFill>
+                  <a:srgbClr val="0000FF"/>
+                </a:solidFill>
+                <a:latin typeface="돋움체" panose="020B0609000101010101" pitchFamily="49" charset="-127"/>
+                <a:ea typeface="돋움체" panose="020B0609000101010101" pitchFamily="49" charset="-127"/>
+              </a:rPr>
+              <a:t>	return</a:t>
+            </a:r>
+            <a:r>
+              <a:rPr lang="en-US" altLang="ko-KR" sz="1200">
+                <a:solidFill>
+                  <a:srgbClr val="000000"/>
+                </a:solidFill>
+                <a:latin typeface="돋움체" panose="020B0609000101010101" pitchFamily="49" charset="-127"/>
+                <a:ea typeface="돋움체" panose="020B0609000101010101" pitchFamily="49" charset="-127"/>
+              </a:rPr>
+              <a:t>;</a:t>
+            </a:r>
+          </a:p>
+          <a:p>
+            <a:r>
+              <a:rPr lang="en-US" altLang="ko-KR" sz="1200">
+                <a:solidFill>
+                  <a:srgbClr val="000000"/>
+                </a:solidFill>
+                <a:latin typeface="돋움체" panose="020B0609000101010101" pitchFamily="49" charset="-127"/>
+                <a:ea typeface="돋움체" panose="020B0609000101010101" pitchFamily="49" charset="-127"/>
+              </a:rPr>
+              <a:t>        }</a:t>
+            </a:r>
+          </a:p>
+          <a:p>
+            <a:r>
+              <a:rPr lang="en-US" altLang="ko-KR" sz="1200">
+                <a:solidFill>
+                  <a:srgbClr val="000000"/>
+                </a:solidFill>
+                <a:latin typeface="돋움체" panose="020B0609000101010101" pitchFamily="49" charset="-127"/>
+                <a:ea typeface="돋움체" panose="020B0609000101010101" pitchFamily="49" charset="-127"/>
+              </a:rPr>
+              <a:t>    }</a:t>
+            </a:r>
+          </a:p>
+          <a:p>
+            <a:r>
+              <a:rPr lang="en-US" altLang="ko-KR" sz="1200">
+                <a:solidFill>
+                  <a:srgbClr val="000000"/>
+                </a:solidFill>
+                <a:latin typeface="돋움체" panose="020B0609000101010101" pitchFamily="49" charset="-127"/>
+                <a:ea typeface="돋움체" panose="020B0609000101010101" pitchFamily="49" charset="-127"/>
+              </a:rPr>
+              <a:t>}</a:t>
+            </a:r>
+            <a:endParaRPr lang="ko-KR" altLang="en-US" sz="1200"/>
+          </a:p>
+        </p:txBody>
+      </p:sp>
+      <p:sp>
+        <p:nvSpPr>
+          <p:cNvPr id="7" name="TextBox 6">
+            <a:extLst>
+              <a:ext uri="{FF2B5EF4-FFF2-40B4-BE49-F238E27FC236}">
+                <a16:creationId xmlns:a16="http://schemas.microsoft.com/office/drawing/2014/main" id="{E80A62B1-84B8-4667-B101-E2EAA0C6913F}"/>
+              </a:ext>
+            </a:extLst>
+          </p:cNvPr>
+          <p:cNvSpPr txBox="1"/>
+          <p:nvPr/>
+        </p:nvSpPr>
+        <p:spPr>
+          <a:xfrm>
+            <a:off x="355228" y="335845"/>
+            <a:ext cx="5221942" cy="3046988"/>
+          </a:xfrm>
+          <a:prstGeom prst="rect">
+            <a:avLst/>
+          </a:prstGeom>
+          <a:noFill/>
+        </p:spPr>
+        <p:txBody>
+          <a:bodyPr wrap="square">
+            <a:spAutoFit/>
+          </a:bodyPr>
+          <a:lstStyle/>
+          <a:p>
+            <a:r>
+              <a:rPr lang="en-US" altLang="ko-KR" sz="1200">
+                <a:solidFill>
+                  <a:srgbClr val="2B91AF"/>
+                </a:solidFill>
+                <a:latin typeface="돋움체" panose="020B0609000101010101" pitchFamily="49" charset="-127"/>
+                <a:ea typeface="돋움체" panose="020B0609000101010101" pitchFamily="49" charset="-127"/>
+              </a:rPr>
+              <a:t>control_block</a:t>
+            </a:r>
+            <a:r>
+              <a:rPr lang="en-US" altLang="ko-KR" sz="1200">
+                <a:solidFill>
+                  <a:srgbClr val="000000"/>
+                </a:solidFill>
+                <a:latin typeface="돋움체" panose="020B0609000101010101" pitchFamily="49" charset="-127"/>
+                <a:ea typeface="돋움체" panose="020B0609000101010101" pitchFamily="49" charset="-127"/>
+              </a:rPr>
+              <a:t>&lt;</a:t>
+            </a:r>
+            <a:r>
+              <a:rPr lang="en-US" altLang="ko-KR" sz="1200">
+                <a:solidFill>
+                  <a:srgbClr val="2B91AF"/>
+                </a:solidFill>
+                <a:latin typeface="돋움체" panose="020B0609000101010101" pitchFamily="49" charset="-127"/>
+                <a:ea typeface="돋움체" panose="020B0609000101010101" pitchFamily="49" charset="-127"/>
+              </a:rPr>
+              <a:t>Tp</a:t>
+            </a:r>
+            <a:r>
+              <a:rPr lang="en-US" altLang="ko-KR" sz="1200">
+                <a:solidFill>
+                  <a:srgbClr val="000000"/>
+                </a:solidFill>
+                <a:latin typeface="돋움체" panose="020B0609000101010101" pitchFamily="49" charset="-127"/>
+                <a:ea typeface="돋움체" panose="020B0609000101010101" pitchFamily="49" charset="-127"/>
+              </a:rPr>
+              <a:t>&gt;* </a:t>
+            </a:r>
+            <a:r>
+              <a:rPr lang="en-US" altLang="ko-KR" sz="1200">
+                <a:solidFill>
+                  <a:srgbClr val="2B91AF"/>
+                </a:solidFill>
+                <a:latin typeface="돋움체" panose="020B0609000101010101" pitchFamily="49" charset="-127"/>
+                <a:ea typeface="돋움체" panose="020B0609000101010101" pitchFamily="49" charset="-127"/>
+              </a:rPr>
+              <a:t>shared_ptr</a:t>
+            </a:r>
+            <a:r>
+              <a:rPr lang="en-US" altLang="ko-KR" sz="1200">
+                <a:solidFill>
+                  <a:srgbClr val="000000"/>
+                </a:solidFill>
+                <a:latin typeface="돋움체" panose="020B0609000101010101" pitchFamily="49" charset="-127"/>
+                <a:ea typeface="돋움체" panose="020B0609000101010101" pitchFamily="49" charset="-127"/>
+              </a:rPr>
+              <a:t>::add_weak_copy() </a:t>
+            </a:r>
+            <a:r>
+              <a:rPr lang="en-US" altLang="ko-KR" sz="1200">
+                <a:solidFill>
+                  <a:srgbClr val="0000FF"/>
+                </a:solidFill>
+                <a:latin typeface="돋움체" panose="020B0609000101010101" pitchFamily="49" charset="-127"/>
+                <a:ea typeface="돋움체" panose="020B0609000101010101" pitchFamily="49" charset="-127"/>
+              </a:rPr>
+              <a:t>const</a:t>
+            </a:r>
+            <a:endParaRPr lang="en-US" altLang="ko-KR" sz="1200">
+              <a:solidFill>
+                <a:srgbClr val="000000"/>
+              </a:solidFill>
+              <a:latin typeface="돋움체" panose="020B0609000101010101" pitchFamily="49" charset="-127"/>
+              <a:ea typeface="돋움체" panose="020B0609000101010101" pitchFamily="49" charset="-127"/>
+            </a:endParaRPr>
+          </a:p>
+          <a:p>
+            <a:r>
+              <a:rPr lang="en-US" altLang="ko-KR" sz="1200">
+                <a:solidFill>
+                  <a:srgbClr val="000000"/>
+                </a:solidFill>
+                <a:latin typeface="돋움체" panose="020B0609000101010101" pitchFamily="49" charset="-127"/>
+                <a:ea typeface="돋움체" panose="020B0609000101010101" pitchFamily="49" charset="-127"/>
+              </a:rPr>
+              <a:t>{</a:t>
+            </a:r>
+          </a:p>
+          <a:p>
+            <a:r>
+              <a:rPr lang="en-US" altLang="ko-KR" sz="1200">
+                <a:solidFill>
+                  <a:srgbClr val="2B91AF"/>
+                </a:solidFill>
+                <a:latin typeface="돋움체" panose="020B0609000101010101" pitchFamily="49" charset="-127"/>
+                <a:ea typeface="돋움체" panose="020B0609000101010101" pitchFamily="49" charset="-127"/>
+              </a:rPr>
+              <a:t>    control_block</a:t>
+            </a:r>
+            <a:r>
+              <a:rPr lang="en-US" altLang="ko-KR" sz="1200">
+                <a:solidFill>
+                  <a:srgbClr val="000000"/>
+                </a:solidFill>
+                <a:latin typeface="돋움체" panose="020B0609000101010101" pitchFamily="49" charset="-127"/>
+                <a:ea typeface="돋움체" panose="020B0609000101010101" pitchFamily="49" charset="-127"/>
+              </a:rPr>
+              <a:t>&lt;</a:t>
+            </a:r>
+            <a:r>
+              <a:rPr lang="en-US" altLang="ko-KR" sz="1200">
+                <a:solidFill>
+                  <a:srgbClr val="2B91AF"/>
+                </a:solidFill>
+                <a:latin typeface="돋움체" panose="020B0609000101010101" pitchFamily="49" charset="-127"/>
+                <a:ea typeface="돋움체" panose="020B0609000101010101" pitchFamily="49" charset="-127"/>
+              </a:rPr>
+              <a:t>Tp</a:t>
+            </a:r>
+            <a:r>
+              <a:rPr lang="en-US" altLang="ko-KR" sz="1200">
+                <a:solidFill>
+                  <a:srgbClr val="000000"/>
+                </a:solidFill>
+                <a:latin typeface="돋움체" panose="020B0609000101010101" pitchFamily="49" charset="-127"/>
+                <a:ea typeface="돋움체" panose="020B0609000101010101" pitchFamily="49" charset="-127"/>
+              </a:rPr>
+              <a:t>&gt;* curr_ctr;</a:t>
+            </a:r>
+          </a:p>
+          <a:p>
+            <a:r>
+              <a:rPr lang="en-US" altLang="ko-KR" sz="1200">
+                <a:solidFill>
+                  <a:srgbClr val="2B91AF"/>
+                </a:solidFill>
+                <a:latin typeface="돋움체" panose="020B0609000101010101" pitchFamily="49" charset="-127"/>
+                <a:ea typeface="돋움체" panose="020B0609000101010101" pitchFamily="49" charset="-127"/>
+              </a:rPr>
+              <a:t>    control_block</a:t>
+            </a:r>
+            <a:r>
+              <a:rPr lang="en-US" altLang="ko-KR" sz="1200">
+                <a:solidFill>
+                  <a:srgbClr val="000000"/>
+                </a:solidFill>
+                <a:latin typeface="돋움체" panose="020B0609000101010101" pitchFamily="49" charset="-127"/>
+                <a:ea typeface="돋움체" panose="020B0609000101010101" pitchFamily="49" charset="-127"/>
+              </a:rPr>
+              <a:t>&lt;</a:t>
+            </a:r>
+            <a:r>
+              <a:rPr lang="en-US" altLang="ko-KR" sz="1200">
+                <a:solidFill>
+                  <a:srgbClr val="2B91AF"/>
+                </a:solidFill>
+                <a:latin typeface="돋움체" panose="020B0609000101010101" pitchFamily="49" charset="-127"/>
+                <a:ea typeface="돋움체" panose="020B0609000101010101" pitchFamily="49" charset="-127"/>
+              </a:rPr>
+              <a:t>Tp</a:t>
+            </a:r>
+            <a:r>
+              <a:rPr lang="en-US" altLang="ko-KR" sz="1200">
+                <a:solidFill>
+                  <a:srgbClr val="000000"/>
+                </a:solidFill>
+                <a:latin typeface="돋움체" panose="020B0609000101010101" pitchFamily="49" charset="-127"/>
+                <a:ea typeface="돋움체" panose="020B0609000101010101" pitchFamily="49" charset="-127"/>
+              </a:rPr>
+              <a:t>&gt;* ret_ctr;</a:t>
+            </a:r>
+          </a:p>
+          <a:p>
+            <a:r>
+              <a:rPr lang="ko-KR" altLang="en-US" sz="1200">
+                <a:solidFill>
+                  <a:srgbClr val="000000"/>
+                </a:solidFill>
+                <a:latin typeface="돋움체" panose="020B0609000101010101" pitchFamily="49" charset="-127"/>
+                <a:ea typeface="돋움체" panose="020B0609000101010101" pitchFamily="49" charset="-127"/>
+              </a:rPr>
+              <a:t> </a:t>
+            </a:r>
+          </a:p>
+          <a:p>
+            <a:r>
+              <a:rPr lang="en-US" altLang="ko-KR" sz="1200">
+                <a:solidFill>
+                  <a:srgbClr val="0000FF"/>
+                </a:solidFill>
+                <a:latin typeface="돋움체" panose="020B0609000101010101" pitchFamily="49" charset="-127"/>
+                <a:ea typeface="돋움체" panose="020B0609000101010101" pitchFamily="49" charset="-127"/>
+              </a:rPr>
+              <a:t>    do</a:t>
+            </a:r>
+            <a:r>
+              <a:rPr lang="en-US" altLang="ko-KR" sz="1200">
+                <a:solidFill>
+                  <a:srgbClr val="000000"/>
+                </a:solidFill>
+                <a:latin typeface="돋움체" panose="020B0609000101010101" pitchFamily="49" charset="-127"/>
+                <a:ea typeface="돋움체" panose="020B0609000101010101" pitchFamily="49" charset="-127"/>
+              </a:rPr>
+              <a:t> {</a:t>
+            </a:r>
+            <a:endParaRPr lang="en-US" altLang="ko-KR" sz="1200">
+              <a:solidFill>
+                <a:srgbClr val="FF0000"/>
+              </a:solidFill>
+              <a:latin typeface="돋움체" panose="020B0609000101010101" pitchFamily="49" charset="-127"/>
+              <a:ea typeface="돋움체" panose="020B0609000101010101" pitchFamily="49" charset="-127"/>
+            </a:endParaRPr>
+          </a:p>
+          <a:p>
+            <a:r>
+              <a:rPr lang="en-US" altLang="ko-KR" sz="1200">
+                <a:solidFill>
+                  <a:srgbClr val="000000"/>
+                </a:solidFill>
+                <a:latin typeface="돋움체" panose="020B0609000101010101" pitchFamily="49" charset="-127"/>
+                <a:ea typeface="돋움체" panose="020B0609000101010101" pitchFamily="49" charset="-127"/>
+              </a:rPr>
+              <a:t>        curr_ctr = ctr;</a:t>
+            </a:r>
+          </a:p>
+          <a:p>
+            <a:r>
+              <a:rPr lang="en-US" altLang="ko-KR" sz="1200">
+                <a:solidFill>
+                  <a:srgbClr val="0000FF"/>
+                </a:solidFill>
+                <a:latin typeface="돋움체" panose="020B0609000101010101" pitchFamily="49" charset="-127"/>
+                <a:ea typeface="돋움체" panose="020B0609000101010101" pitchFamily="49" charset="-127"/>
+              </a:rPr>
+              <a:t>        if</a:t>
+            </a:r>
+            <a:r>
+              <a:rPr lang="en-US" altLang="ko-KR" sz="1200">
+                <a:solidFill>
+                  <a:srgbClr val="000000"/>
+                </a:solidFill>
+                <a:latin typeface="돋움체" panose="020B0609000101010101" pitchFamily="49" charset="-127"/>
+                <a:ea typeface="돋움체" panose="020B0609000101010101" pitchFamily="49" charset="-127"/>
+              </a:rPr>
+              <a:t> (curr_ctr == </a:t>
+            </a:r>
+            <a:r>
+              <a:rPr lang="en-US" altLang="ko-KR" sz="1200">
+                <a:solidFill>
+                  <a:srgbClr val="0000FF"/>
+                </a:solidFill>
+                <a:latin typeface="돋움체" panose="020B0609000101010101" pitchFamily="49" charset="-127"/>
+                <a:ea typeface="돋움체" panose="020B0609000101010101" pitchFamily="49" charset="-127"/>
+              </a:rPr>
+              <a:t>nullptr</a:t>
+            </a:r>
+            <a:r>
+              <a:rPr lang="en-US" altLang="ko-KR" sz="1200">
+                <a:solidFill>
+                  <a:srgbClr val="000000"/>
+                </a:solidFill>
+                <a:latin typeface="돋움체" panose="020B0609000101010101" pitchFamily="49" charset="-127"/>
+                <a:ea typeface="돋움체" panose="020B0609000101010101" pitchFamily="49" charset="-127"/>
+              </a:rPr>
+              <a:t>)</a:t>
+            </a:r>
+          </a:p>
+          <a:p>
+            <a:r>
+              <a:rPr lang="en-US" altLang="ko-KR" sz="1200">
+                <a:solidFill>
+                  <a:srgbClr val="0000FF"/>
+                </a:solidFill>
+                <a:latin typeface="돋움체" panose="020B0609000101010101" pitchFamily="49" charset="-127"/>
+                <a:ea typeface="돋움체" panose="020B0609000101010101" pitchFamily="49" charset="-127"/>
+              </a:rPr>
+              <a:t>	return</a:t>
+            </a:r>
+            <a:r>
+              <a:rPr lang="en-US" altLang="ko-KR" sz="1200">
+                <a:solidFill>
+                  <a:srgbClr val="000000"/>
+                </a:solidFill>
+                <a:latin typeface="돋움체" panose="020B0609000101010101" pitchFamily="49" charset="-127"/>
+                <a:ea typeface="돋움체" panose="020B0609000101010101" pitchFamily="49" charset="-127"/>
+              </a:rPr>
+              <a:t> </a:t>
+            </a:r>
+            <a:r>
+              <a:rPr lang="en-US" altLang="ko-KR" sz="1200">
+                <a:solidFill>
+                  <a:srgbClr val="0000FF"/>
+                </a:solidFill>
+                <a:latin typeface="돋움체" panose="020B0609000101010101" pitchFamily="49" charset="-127"/>
+                <a:ea typeface="돋움체" panose="020B0609000101010101" pitchFamily="49" charset="-127"/>
+              </a:rPr>
+              <a:t>nullptr</a:t>
+            </a:r>
+            <a:r>
+              <a:rPr lang="en-US" altLang="ko-KR" sz="1200">
+                <a:solidFill>
+                  <a:srgbClr val="000000"/>
+                </a:solidFill>
+                <a:latin typeface="돋움체" panose="020B0609000101010101" pitchFamily="49" charset="-127"/>
+                <a:ea typeface="돋움체" panose="020B0609000101010101" pitchFamily="49" charset="-127"/>
+              </a:rPr>
+              <a:t>;</a:t>
+            </a:r>
+          </a:p>
+          <a:p>
+            <a:endParaRPr lang="en-US" altLang="ko-KR" sz="1200">
+              <a:solidFill>
+                <a:srgbClr val="000000"/>
+              </a:solidFill>
+              <a:latin typeface="돋움체" panose="020B0609000101010101" pitchFamily="49" charset="-127"/>
+              <a:ea typeface="돋움체" panose="020B0609000101010101" pitchFamily="49" charset="-127"/>
+            </a:endParaRPr>
+          </a:p>
+          <a:p>
+            <a:r>
+              <a:rPr lang="en-US" altLang="ko-KR" sz="1200">
+                <a:solidFill>
+                  <a:srgbClr val="000000"/>
+                </a:solidFill>
+                <a:latin typeface="돋움체" panose="020B0609000101010101" pitchFamily="49" charset="-127"/>
+                <a:ea typeface="돋움체" panose="020B0609000101010101" pitchFamily="49" charset="-127"/>
+              </a:rPr>
+              <a:t>        ret_ctr = curr_ctr-&gt;add_weak_count();</a:t>
+            </a:r>
+          </a:p>
+          <a:p>
+            <a:endParaRPr lang="en-US" altLang="ko-KR" sz="1200">
+              <a:solidFill>
+                <a:srgbClr val="000000"/>
+              </a:solidFill>
+              <a:latin typeface="돋움체" panose="020B0609000101010101" pitchFamily="49" charset="-127"/>
+              <a:ea typeface="돋움체" panose="020B0609000101010101" pitchFamily="49" charset="-127"/>
+            </a:endParaRPr>
+          </a:p>
+          <a:p>
+            <a:r>
+              <a:rPr lang="en-US" altLang="ko-KR" sz="1200">
+                <a:solidFill>
+                  <a:srgbClr val="000000"/>
+                </a:solidFill>
+                <a:latin typeface="돋움체" panose="020B0609000101010101" pitchFamily="49" charset="-127"/>
+                <a:ea typeface="돋움체" panose="020B0609000101010101" pitchFamily="49" charset="-127"/>
+              </a:rPr>
+              <a:t>    } </a:t>
+            </a:r>
+            <a:r>
+              <a:rPr lang="en-US" altLang="ko-KR" sz="1200">
+                <a:solidFill>
+                  <a:srgbClr val="0000FF"/>
+                </a:solidFill>
+                <a:latin typeface="돋움체" panose="020B0609000101010101" pitchFamily="49" charset="-127"/>
+                <a:ea typeface="돋움체" panose="020B0609000101010101" pitchFamily="49" charset="-127"/>
+              </a:rPr>
+              <a:t>while</a:t>
+            </a:r>
+            <a:r>
+              <a:rPr lang="en-US" altLang="ko-KR" sz="1200">
+                <a:solidFill>
+                  <a:srgbClr val="000000"/>
+                </a:solidFill>
+                <a:latin typeface="돋움체" panose="020B0609000101010101" pitchFamily="49" charset="-127"/>
+                <a:ea typeface="돋움체" panose="020B0609000101010101" pitchFamily="49" charset="-127"/>
+              </a:rPr>
+              <a:t> (ret_ctr == </a:t>
+            </a:r>
+            <a:r>
+              <a:rPr lang="en-US" altLang="ko-KR" sz="1200">
+                <a:solidFill>
+                  <a:srgbClr val="0000FF"/>
+                </a:solidFill>
+                <a:latin typeface="돋움체" panose="020B0609000101010101" pitchFamily="49" charset="-127"/>
+                <a:ea typeface="돋움체" panose="020B0609000101010101" pitchFamily="49" charset="-127"/>
+              </a:rPr>
+              <a:t>nullptr</a:t>
+            </a:r>
+            <a:r>
+              <a:rPr lang="en-US" altLang="ko-KR" sz="1200">
+                <a:solidFill>
+                  <a:srgbClr val="000000"/>
+                </a:solidFill>
+                <a:latin typeface="돋움체" panose="020B0609000101010101" pitchFamily="49" charset="-127"/>
+                <a:ea typeface="돋움체" panose="020B0609000101010101" pitchFamily="49" charset="-127"/>
+              </a:rPr>
+              <a:t>);</a:t>
+            </a:r>
+          </a:p>
+          <a:p>
+            <a:endParaRPr lang="ko-KR" altLang="en-US" sz="1200">
+              <a:solidFill>
+                <a:srgbClr val="000000"/>
+              </a:solidFill>
+              <a:latin typeface="돋움체" panose="020B0609000101010101" pitchFamily="49" charset="-127"/>
+              <a:ea typeface="돋움체" panose="020B0609000101010101" pitchFamily="49" charset="-127"/>
+            </a:endParaRPr>
+          </a:p>
+          <a:p>
+            <a:r>
+              <a:rPr lang="en-US" altLang="ko-KR" sz="1200">
+                <a:solidFill>
+                  <a:srgbClr val="0000FF"/>
+                </a:solidFill>
+                <a:latin typeface="돋움체" panose="020B0609000101010101" pitchFamily="49" charset="-127"/>
+                <a:ea typeface="돋움체" panose="020B0609000101010101" pitchFamily="49" charset="-127"/>
+              </a:rPr>
+              <a:t>    return</a:t>
+            </a:r>
+            <a:r>
+              <a:rPr lang="en-US" altLang="ko-KR" sz="1200">
+                <a:solidFill>
+                  <a:srgbClr val="000000"/>
+                </a:solidFill>
+                <a:latin typeface="돋움체" panose="020B0609000101010101" pitchFamily="49" charset="-127"/>
+                <a:ea typeface="돋움체" panose="020B0609000101010101" pitchFamily="49" charset="-127"/>
+              </a:rPr>
+              <a:t> ret_ctr;</a:t>
+            </a:r>
+          </a:p>
+          <a:p>
+            <a:r>
+              <a:rPr lang="en-US" altLang="ko-KR" sz="1200">
+                <a:solidFill>
+                  <a:srgbClr val="000000"/>
+                </a:solidFill>
+                <a:latin typeface="돋움체" panose="020B0609000101010101" pitchFamily="49" charset="-127"/>
+                <a:ea typeface="돋움체" panose="020B0609000101010101" pitchFamily="49" charset="-127"/>
+              </a:rPr>
+              <a:t>}</a:t>
+            </a:r>
+            <a:endParaRPr lang="ko-KR" altLang="en-US" sz="1200"/>
+          </a:p>
+        </p:txBody>
+      </p:sp>
+    </p:spTree>
+    <p:extLst>
+      <p:ext uri="{BB962C8B-B14F-4D97-AF65-F5344CB8AC3E}">
+        <p14:creationId xmlns:p14="http://schemas.microsoft.com/office/powerpoint/2010/main" val="2314969417"/>
+      </p:ext>
+    </p:extLst>
+  </p:cSld>
+  <p:clrMapOvr>
+    <a:masterClrMapping/>
+  </p:clrMapOvr>
+</p:sld>
+</file>
+
+<file path=ppt/slides/slide6.xml><?xml version="1.0" encoding="utf-8"?>
+<p:sld xmlns:a="http://schemas.openxmlformats.org/drawingml/2006/main" xmlns:r="http://schemas.openxmlformats.org/officeDocument/2006/relationships" xmlns:p="http://schemas.openxmlformats.org/presentationml/2006/main">
+  <p:cSld>
+    <p:spTree>
+      <p:nvGrpSpPr>
+        <p:cNvPr id="1" name=""/>
+        <p:cNvGrpSpPr/>
+        <p:nvPr/>
+      </p:nvGrpSpPr>
+      <p:grpSpPr>
+        <a:xfrm>
+          <a:off x="0" y="0"/>
+          <a:ext cx="0" cy="0"/>
+          <a:chOff x="0" y="0"/>
+          <a:chExt cx="0" cy="0"/>
+        </a:xfrm>
+      </p:grpSpPr>
+      <p:sp>
+        <p:nvSpPr>
+          <p:cNvPr id="7" name="TextBox 6">
+            <a:extLst>
+              <a:ext uri="{FF2B5EF4-FFF2-40B4-BE49-F238E27FC236}">
+                <a16:creationId xmlns:a16="http://schemas.microsoft.com/office/drawing/2014/main" id="{E80A62B1-84B8-4667-B101-E2EAA0C6913F}"/>
+              </a:ext>
+            </a:extLst>
+          </p:cNvPr>
+          <p:cNvSpPr txBox="1"/>
+          <p:nvPr/>
+        </p:nvSpPr>
+        <p:spPr>
+          <a:xfrm>
+            <a:off x="355228" y="335845"/>
+            <a:ext cx="5221942" cy="3046988"/>
+          </a:xfrm>
+          <a:prstGeom prst="rect">
+            <a:avLst/>
+          </a:prstGeom>
+          <a:noFill/>
+        </p:spPr>
+        <p:txBody>
+          <a:bodyPr wrap="square">
+            <a:spAutoFit/>
+          </a:bodyPr>
+          <a:lstStyle/>
+          <a:p>
+            <a:r>
+              <a:rPr lang="en-US" altLang="ko-KR" sz="1200">
+                <a:solidFill>
+                  <a:srgbClr val="2B91AF"/>
+                </a:solidFill>
+                <a:latin typeface="돋움체" panose="020B0609000101010101" pitchFamily="49" charset="-127"/>
+                <a:ea typeface="돋움체" panose="020B0609000101010101" pitchFamily="49" charset="-127"/>
+              </a:rPr>
+              <a:t>control_block</a:t>
+            </a:r>
+            <a:r>
+              <a:rPr lang="en-US" altLang="ko-KR" sz="1200">
+                <a:solidFill>
+                  <a:srgbClr val="000000"/>
+                </a:solidFill>
+                <a:latin typeface="돋움체" panose="020B0609000101010101" pitchFamily="49" charset="-127"/>
+                <a:ea typeface="돋움체" panose="020B0609000101010101" pitchFamily="49" charset="-127"/>
+              </a:rPr>
+              <a:t>&lt;</a:t>
+            </a:r>
+            <a:r>
+              <a:rPr lang="en-US" altLang="ko-KR" sz="1200">
+                <a:solidFill>
+                  <a:srgbClr val="2B91AF"/>
+                </a:solidFill>
+                <a:latin typeface="돋움체" panose="020B0609000101010101" pitchFamily="49" charset="-127"/>
+                <a:ea typeface="돋움체" panose="020B0609000101010101" pitchFamily="49" charset="-127"/>
+              </a:rPr>
+              <a:t>Tp</a:t>
+            </a:r>
+            <a:r>
+              <a:rPr lang="en-US" altLang="ko-KR" sz="1200">
+                <a:solidFill>
+                  <a:srgbClr val="000000"/>
+                </a:solidFill>
+                <a:latin typeface="돋움체" panose="020B0609000101010101" pitchFamily="49" charset="-127"/>
+                <a:ea typeface="돋움체" panose="020B0609000101010101" pitchFamily="49" charset="-127"/>
+              </a:rPr>
+              <a:t>&gt;* </a:t>
+            </a:r>
+            <a:r>
+              <a:rPr lang="en-US" altLang="ko-KR" sz="1200">
+                <a:solidFill>
+                  <a:srgbClr val="2B91AF"/>
+                </a:solidFill>
+                <a:latin typeface="돋움체" panose="020B0609000101010101" pitchFamily="49" charset="-127"/>
+                <a:ea typeface="돋움체" panose="020B0609000101010101" pitchFamily="49" charset="-127"/>
+              </a:rPr>
+              <a:t>shared_ptr</a:t>
+            </a:r>
+            <a:r>
+              <a:rPr lang="en-US" altLang="ko-KR" sz="1200">
+                <a:solidFill>
+                  <a:srgbClr val="000000"/>
+                </a:solidFill>
+                <a:latin typeface="돋움체" panose="020B0609000101010101" pitchFamily="49" charset="-127"/>
+                <a:ea typeface="돋움체" panose="020B0609000101010101" pitchFamily="49" charset="-127"/>
+              </a:rPr>
+              <a:t>::add_weak_copy() </a:t>
+            </a:r>
+            <a:r>
+              <a:rPr lang="en-US" altLang="ko-KR" sz="1200">
+                <a:solidFill>
+                  <a:srgbClr val="0000FF"/>
+                </a:solidFill>
+                <a:latin typeface="돋움체" panose="020B0609000101010101" pitchFamily="49" charset="-127"/>
+                <a:ea typeface="돋움체" panose="020B0609000101010101" pitchFamily="49" charset="-127"/>
+              </a:rPr>
+              <a:t>const</a:t>
+            </a:r>
+            <a:endParaRPr lang="en-US" altLang="ko-KR" sz="1200">
+              <a:solidFill>
+                <a:srgbClr val="000000"/>
+              </a:solidFill>
+              <a:latin typeface="돋움체" panose="020B0609000101010101" pitchFamily="49" charset="-127"/>
+              <a:ea typeface="돋움체" panose="020B0609000101010101" pitchFamily="49" charset="-127"/>
+            </a:endParaRPr>
+          </a:p>
+          <a:p>
+            <a:r>
+              <a:rPr lang="en-US" altLang="ko-KR" sz="1200">
+                <a:solidFill>
+                  <a:srgbClr val="000000"/>
+                </a:solidFill>
+                <a:latin typeface="돋움체" panose="020B0609000101010101" pitchFamily="49" charset="-127"/>
+                <a:ea typeface="돋움체" panose="020B0609000101010101" pitchFamily="49" charset="-127"/>
+              </a:rPr>
+              <a:t>{</a:t>
+            </a:r>
+          </a:p>
+          <a:p>
+            <a:r>
+              <a:rPr lang="en-US" altLang="ko-KR" sz="1200">
+                <a:solidFill>
+                  <a:srgbClr val="2B91AF"/>
+                </a:solidFill>
+                <a:latin typeface="돋움체" panose="020B0609000101010101" pitchFamily="49" charset="-127"/>
+                <a:ea typeface="돋움체" panose="020B0609000101010101" pitchFamily="49" charset="-127"/>
+              </a:rPr>
+              <a:t>    control_block</a:t>
+            </a:r>
+            <a:r>
+              <a:rPr lang="en-US" altLang="ko-KR" sz="1200">
+                <a:solidFill>
+                  <a:srgbClr val="000000"/>
+                </a:solidFill>
+                <a:latin typeface="돋움체" panose="020B0609000101010101" pitchFamily="49" charset="-127"/>
+                <a:ea typeface="돋움체" panose="020B0609000101010101" pitchFamily="49" charset="-127"/>
+              </a:rPr>
+              <a:t>&lt;</a:t>
+            </a:r>
+            <a:r>
+              <a:rPr lang="en-US" altLang="ko-KR" sz="1200">
+                <a:solidFill>
+                  <a:srgbClr val="2B91AF"/>
+                </a:solidFill>
+                <a:latin typeface="돋움체" panose="020B0609000101010101" pitchFamily="49" charset="-127"/>
+                <a:ea typeface="돋움체" panose="020B0609000101010101" pitchFamily="49" charset="-127"/>
+              </a:rPr>
+              <a:t>Tp</a:t>
+            </a:r>
+            <a:r>
+              <a:rPr lang="en-US" altLang="ko-KR" sz="1200">
+                <a:solidFill>
+                  <a:srgbClr val="000000"/>
+                </a:solidFill>
+                <a:latin typeface="돋움체" panose="020B0609000101010101" pitchFamily="49" charset="-127"/>
+                <a:ea typeface="돋움체" panose="020B0609000101010101" pitchFamily="49" charset="-127"/>
+              </a:rPr>
+              <a:t>&gt;* curr_ctr;</a:t>
+            </a:r>
+          </a:p>
+          <a:p>
+            <a:r>
+              <a:rPr lang="en-US" altLang="ko-KR" sz="1200">
+                <a:solidFill>
+                  <a:srgbClr val="2B91AF"/>
+                </a:solidFill>
+                <a:latin typeface="돋움체" panose="020B0609000101010101" pitchFamily="49" charset="-127"/>
+                <a:ea typeface="돋움체" panose="020B0609000101010101" pitchFamily="49" charset="-127"/>
+              </a:rPr>
+              <a:t>    control_block</a:t>
+            </a:r>
+            <a:r>
+              <a:rPr lang="en-US" altLang="ko-KR" sz="1200">
+                <a:solidFill>
+                  <a:srgbClr val="000000"/>
+                </a:solidFill>
+                <a:latin typeface="돋움체" panose="020B0609000101010101" pitchFamily="49" charset="-127"/>
+                <a:ea typeface="돋움체" panose="020B0609000101010101" pitchFamily="49" charset="-127"/>
+              </a:rPr>
+              <a:t>&lt;</a:t>
+            </a:r>
+            <a:r>
+              <a:rPr lang="en-US" altLang="ko-KR" sz="1200">
+                <a:solidFill>
+                  <a:srgbClr val="2B91AF"/>
+                </a:solidFill>
+                <a:latin typeface="돋움체" panose="020B0609000101010101" pitchFamily="49" charset="-127"/>
+                <a:ea typeface="돋움체" panose="020B0609000101010101" pitchFamily="49" charset="-127"/>
+              </a:rPr>
+              <a:t>Tp</a:t>
+            </a:r>
+            <a:r>
+              <a:rPr lang="en-US" altLang="ko-KR" sz="1200">
+                <a:solidFill>
+                  <a:srgbClr val="000000"/>
+                </a:solidFill>
+                <a:latin typeface="돋움체" panose="020B0609000101010101" pitchFamily="49" charset="-127"/>
+                <a:ea typeface="돋움체" panose="020B0609000101010101" pitchFamily="49" charset="-127"/>
+              </a:rPr>
+              <a:t>&gt;* ret_ctr;</a:t>
+            </a:r>
+          </a:p>
+          <a:p>
+            <a:r>
+              <a:rPr lang="ko-KR" altLang="en-US" sz="1200">
+                <a:solidFill>
+                  <a:srgbClr val="000000"/>
+                </a:solidFill>
+                <a:latin typeface="돋움체" panose="020B0609000101010101" pitchFamily="49" charset="-127"/>
+                <a:ea typeface="돋움체" panose="020B0609000101010101" pitchFamily="49" charset="-127"/>
+              </a:rPr>
+              <a:t> </a:t>
+            </a:r>
+          </a:p>
+          <a:p>
+            <a:r>
+              <a:rPr lang="en-US" altLang="ko-KR" sz="1200">
+                <a:solidFill>
+                  <a:srgbClr val="0000FF"/>
+                </a:solidFill>
+                <a:latin typeface="돋움체" panose="020B0609000101010101" pitchFamily="49" charset="-127"/>
+                <a:ea typeface="돋움체" panose="020B0609000101010101" pitchFamily="49" charset="-127"/>
+              </a:rPr>
+              <a:t>    do</a:t>
+            </a:r>
+            <a:r>
+              <a:rPr lang="en-US" altLang="ko-KR" sz="1200">
+                <a:solidFill>
+                  <a:srgbClr val="000000"/>
+                </a:solidFill>
+                <a:latin typeface="돋움체" panose="020B0609000101010101" pitchFamily="49" charset="-127"/>
+                <a:ea typeface="돋움체" panose="020B0609000101010101" pitchFamily="49" charset="-127"/>
+              </a:rPr>
+              <a:t> {</a:t>
+            </a:r>
+            <a:endParaRPr lang="en-US" altLang="ko-KR" sz="1200">
+              <a:solidFill>
+                <a:srgbClr val="FF0000"/>
+              </a:solidFill>
+              <a:latin typeface="돋움체" panose="020B0609000101010101" pitchFamily="49" charset="-127"/>
+              <a:ea typeface="돋움체" panose="020B0609000101010101" pitchFamily="49" charset="-127"/>
+            </a:endParaRPr>
+          </a:p>
+          <a:p>
+            <a:r>
+              <a:rPr lang="en-US" altLang="ko-KR" sz="1200">
+                <a:solidFill>
+                  <a:srgbClr val="000000"/>
+                </a:solidFill>
+                <a:latin typeface="돋움체" panose="020B0609000101010101" pitchFamily="49" charset="-127"/>
+                <a:ea typeface="돋움체" panose="020B0609000101010101" pitchFamily="49" charset="-127"/>
+              </a:rPr>
+              <a:t>        curr_ctr = ctr;</a:t>
+            </a:r>
+          </a:p>
+          <a:p>
+            <a:r>
+              <a:rPr lang="en-US" altLang="ko-KR" sz="1200">
+                <a:solidFill>
+                  <a:srgbClr val="0000FF"/>
+                </a:solidFill>
+                <a:latin typeface="돋움체" panose="020B0609000101010101" pitchFamily="49" charset="-127"/>
+                <a:ea typeface="돋움체" panose="020B0609000101010101" pitchFamily="49" charset="-127"/>
+              </a:rPr>
+              <a:t>        if</a:t>
+            </a:r>
+            <a:r>
+              <a:rPr lang="en-US" altLang="ko-KR" sz="1200">
+                <a:solidFill>
+                  <a:srgbClr val="000000"/>
+                </a:solidFill>
+                <a:latin typeface="돋움체" panose="020B0609000101010101" pitchFamily="49" charset="-127"/>
+                <a:ea typeface="돋움체" panose="020B0609000101010101" pitchFamily="49" charset="-127"/>
+              </a:rPr>
+              <a:t> (curr_ctr == </a:t>
+            </a:r>
+            <a:r>
+              <a:rPr lang="en-US" altLang="ko-KR" sz="1200">
+                <a:solidFill>
+                  <a:srgbClr val="0000FF"/>
+                </a:solidFill>
+                <a:latin typeface="돋움체" panose="020B0609000101010101" pitchFamily="49" charset="-127"/>
+                <a:ea typeface="돋움체" panose="020B0609000101010101" pitchFamily="49" charset="-127"/>
+              </a:rPr>
+              <a:t>nullptr</a:t>
+            </a:r>
+            <a:r>
+              <a:rPr lang="en-US" altLang="ko-KR" sz="1200">
+                <a:solidFill>
+                  <a:srgbClr val="000000"/>
+                </a:solidFill>
+                <a:latin typeface="돋움체" panose="020B0609000101010101" pitchFamily="49" charset="-127"/>
+                <a:ea typeface="돋움체" panose="020B0609000101010101" pitchFamily="49" charset="-127"/>
+              </a:rPr>
+              <a:t>)</a:t>
+            </a:r>
+          </a:p>
+          <a:p>
+            <a:r>
+              <a:rPr lang="en-US" altLang="ko-KR" sz="1200">
+                <a:solidFill>
+                  <a:srgbClr val="0000FF"/>
+                </a:solidFill>
+                <a:latin typeface="돋움체" panose="020B0609000101010101" pitchFamily="49" charset="-127"/>
+                <a:ea typeface="돋움체" panose="020B0609000101010101" pitchFamily="49" charset="-127"/>
+              </a:rPr>
+              <a:t>	return</a:t>
+            </a:r>
+            <a:r>
+              <a:rPr lang="en-US" altLang="ko-KR" sz="1200">
+                <a:solidFill>
+                  <a:srgbClr val="000000"/>
+                </a:solidFill>
+                <a:latin typeface="돋움체" panose="020B0609000101010101" pitchFamily="49" charset="-127"/>
+                <a:ea typeface="돋움체" panose="020B0609000101010101" pitchFamily="49" charset="-127"/>
+              </a:rPr>
+              <a:t> </a:t>
+            </a:r>
+            <a:r>
+              <a:rPr lang="en-US" altLang="ko-KR" sz="1200">
+                <a:solidFill>
+                  <a:srgbClr val="0000FF"/>
+                </a:solidFill>
+                <a:latin typeface="돋움체" panose="020B0609000101010101" pitchFamily="49" charset="-127"/>
+                <a:ea typeface="돋움체" panose="020B0609000101010101" pitchFamily="49" charset="-127"/>
+              </a:rPr>
+              <a:t>nullptr</a:t>
+            </a:r>
+            <a:r>
+              <a:rPr lang="en-US" altLang="ko-KR" sz="1200">
+                <a:solidFill>
+                  <a:srgbClr val="000000"/>
+                </a:solidFill>
+                <a:latin typeface="돋움체" panose="020B0609000101010101" pitchFamily="49" charset="-127"/>
+                <a:ea typeface="돋움체" panose="020B0609000101010101" pitchFamily="49" charset="-127"/>
+              </a:rPr>
+              <a:t>;</a:t>
+            </a:r>
+          </a:p>
+          <a:p>
+            <a:endParaRPr lang="en-US" altLang="ko-KR" sz="1200">
+              <a:solidFill>
+                <a:srgbClr val="000000"/>
+              </a:solidFill>
+              <a:latin typeface="돋움체" panose="020B0609000101010101" pitchFamily="49" charset="-127"/>
+              <a:ea typeface="돋움체" panose="020B0609000101010101" pitchFamily="49" charset="-127"/>
+            </a:endParaRPr>
+          </a:p>
+          <a:p>
+            <a:r>
+              <a:rPr lang="en-US" altLang="ko-KR" sz="1200">
+                <a:solidFill>
+                  <a:srgbClr val="000000"/>
+                </a:solidFill>
+                <a:latin typeface="돋움체" panose="020B0609000101010101" pitchFamily="49" charset="-127"/>
+                <a:ea typeface="돋움체" panose="020B0609000101010101" pitchFamily="49" charset="-127"/>
+              </a:rPr>
+              <a:t>        ret_ctr = curr_ctr-&gt;</a:t>
+            </a:r>
+            <a:r>
+              <a:rPr lang="en-US" altLang="ko-KR" sz="1200">
+                <a:solidFill>
+                  <a:srgbClr val="FF0000"/>
+                </a:solidFill>
+                <a:latin typeface="돋움체" panose="020B0609000101010101" pitchFamily="49" charset="-127"/>
+                <a:ea typeface="돋움체" panose="020B0609000101010101" pitchFamily="49" charset="-127"/>
+              </a:rPr>
+              <a:t>try_weak_copy(this)</a:t>
+            </a:r>
+            <a:r>
+              <a:rPr lang="en-US" altLang="ko-KR" sz="1200">
+                <a:solidFill>
+                  <a:srgbClr val="000000"/>
+                </a:solidFill>
+                <a:latin typeface="돋움체" panose="020B0609000101010101" pitchFamily="49" charset="-127"/>
+                <a:ea typeface="돋움체" panose="020B0609000101010101" pitchFamily="49" charset="-127"/>
+              </a:rPr>
+              <a:t>;</a:t>
+            </a:r>
+          </a:p>
+          <a:p>
+            <a:endParaRPr lang="en-US" altLang="ko-KR" sz="1200">
+              <a:solidFill>
+                <a:srgbClr val="000000"/>
+              </a:solidFill>
+              <a:latin typeface="돋움체" panose="020B0609000101010101" pitchFamily="49" charset="-127"/>
+              <a:ea typeface="돋움체" panose="020B0609000101010101" pitchFamily="49" charset="-127"/>
+            </a:endParaRPr>
+          </a:p>
+          <a:p>
+            <a:r>
+              <a:rPr lang="en-US" altLang="ko-KR" sz="1200">
+                <a:solidFill>
+                  <a:srgbClr val="000000"/>
+                </a:solidFill>
+                <a:latin typeface="돋움체" panose="020B0609000101010101" pitchFamily="49" charset="-127"/>
+                <a:ea typeface="돋움체" panose="020B0609000101010101" pitchFamily="49" charset="-127"/>
+              </a:rPr>
+              <a:t>    } </a:t>
+            </a:r>
+            <a:r>
+              <a:rPr lang="en-US" altLang="ko-KR" sz="1200">
+                <a:solidFill>
+                  <a:srgbClr val="0000FF"/>
+                </a:solidFill>
+                <a:latin typeface="돋움체" panose="020B0609000101010101" pitchFamily="49" charset="-127"/>
+                <a:ea typeface="돋움체" panose="020B0609000101010101" pitchFamily="49" charset="-127"/>
+              </a:rPr>
+              <a:t>while</a:t>
+            </a:r>
+            <a:r>
+              <a:rPr lang="en-US" altLang="ko-KR" sz="1200">
+                <a:solidFill>
+                  <a:srgbClr val="000000"/>
+                </a:solidFill>
+                <a:latin typeface="돋움체" panose="020B0609000101010101" pitchFamily="49" charset="-127"/>
+                <a:ea typeface="돋움체" panose="020B0609000101010101" pitchFamily="49" charset="-127"/>
+              </a:rPr>
+              <a:t> (ret_ctr == </a:t>
+            </a:r>
+            <a:r>
+              <a:rPr lang="en-US" altLang="ko-KR" sz="1200">
+                <a:solidFill>
+                  <a:srgbClr val="0000FF"/>
+                </a:solidFill>
+                <a:latin typeface="돋움체" panose="020B0609000101010101" pitchFamily="49" charset="-127"/>
+                <a:ea typeface="돋움체" panose="020B0609000101010101" pitchFamily="49" charset="-127"/>
+              </a:rPr>
+              <a:t>nullptr</a:t>
+            </a:r>
+            <a:r>
+              <a:rPr lang="en-US" altLang="ko-KR" sz="1200">
+                <a:solidFill>
+                  <a:srgbClr val="000000"/>
+                </a:solidFill>
+                <a:latin typeface="돋움체" panose="020B0609000101010101" pitchFamily="49" charset="-127"/>
+                <a:ea typeface="돋움체" panose="020B0609000101010101" pitchFamily="49" charset="-127"/>
+              </a:rPr>
+              <a:t>);</a:t>
+            </a:r>
+          </a:p>
+          <a:p>
+            <a:endParaRPr lang="ko-KR" altLang="en-US" sz="1200">
+              <a:solidFill>
+                <a:srgbClr val="000000"/>
+              </a:solidFill>
+              <a:latin typeface="돋움체" panose="020B0609000101010101" pitchFamily="49" charset="-127"/>
+              <a:ea typeface="돋움체" panose="020B0609000101010101" pitchFamily="49" charset="-127"/>
+            </a:endParaRPr>
+          </a:p>
+          <a:p>
+            <a:r>
+              <a:rPr lang="en-US" altLang="ko-KR" sz="1200">
+                <a:solidFill>
+                  <a:srgbClr val="0000FF"/>
+                </a:solidFill>
+                <a:latin typeface="돋움체" panose="020B0609000101010101" pitchFamily="49" charset="-127"/>
+                <a:ea typeface="돋움체" panose="020B0609000101010101" pitchFamily="49" charset="-127"/>
+              </a:rPr>
+              <a:t>    return</a:t>
+            </a:r>
+            <a:r>
+              <a:rPr lang="en-US" altLang="ko-KR" sz="1200">
+                <a:solidFill>
+                  <a:srgbClr val="000000"/>
+                </a:solidFill>
+                <a:latin typeface="돋움체" panose="020B0609000101010101" pitchFamily="49" charset="-127"/>
+                <a:ea typeface="돋움체" panose="020B0609000101010101" pitchFamily="49" charset="-127"/>
+              </a:rPr>
+              <a:t> ret_ctr;</a:t>
+            </a:r>
+          </a:p>
+          <a:p>
+            <a:r>
+              <a:rPr lang="en-US" altLang="ko-KR" sz="1200">
+                <a:solidFill>
+                  <a:srgbClr val="000000"/>
+                </a:solidFill>
+                <a:latin typeface="돋움체" panose="020B0609000101010101" pitchFamily="49" charset="-127"/>
+                <a:ea typeface="돋움체" panose="020B0609000101010101" pitchFamily="49" charset="-127"/>
+              </a:rPr>
+              <a:t>}</a:t>
+            </a:r>
+            <a:endParaRPr lang="ko-KR" altLang="en-US" sz="1200"/>
+          </a:p>
+        </p:txBody>
+      </p:sp>
+      <p:sp>
+        <p:nvSpPr>
+          <p:cNvPr id="2" name="TextBox 1">
+            <a:extLst>
+              <a:ext uri="{FF2B5EF4-FFF2-40B4-BE49-F238E27FC236}">
+                <a16:creationId xmlns:a16="http://schemas.microsoft.com/office/drawing/2014/main" id="{5759BE57-D854-494B-A69F-8F45A965223D}"/>
+              </a:ext>
+            </a:extLst>
+          </p:cNvPr>
+          <p:cNvSpPr txBox="1"/>
+          <p:nvPr/>
+        </p:nvSpPr>
+        <p:spPr>
+          <a:xfrm>
+            <a:off x="355228" y="3475168"/>
+            <a:ext cx="5221942" cy="5816977"/>
+          </a:xfrm>
+          <a:prstGeom prst="rect">
+            <a:avLst/>
+          </a:prstGeom>
+          <a:noFill/>
+        </p:spPr>
+        <p:txBody>
+          <a:bodyPr wrap="square">
+            <a:spAutoFit/>
+          </a:bodyPr>
+          <a:lstStyle/>
+          <a:p>
+            <a:r>
+              <a:rPr lang="en-US" altLang="ko-KR" sz="1200">
+                <a:solidFill>
+                  <a:srgbClr val="2B91AF"/>
+                </a:solidFill>
+                <a:latin typeface="돋움체" panose="020B0609000101010101" pitchFamily="49" charset="-127"/>
+                <a:ea typeface="돋움체" panose="020B0609000101010101" pitchFamily="49" charset="-127"/>
+              </a:rPr>
+              <a:t>control_block</a:t>
+            </a:r>
+            <a:r>
+              <a:rPr lang="en-US" altLang="ko-KR" sz="1200">
+                <a:solidFill>
+                  <a:srgbClr val="000000"/>
+                </a:solidFill>
+                <a:latin typeface="돋움체" panose="020B0609000101010101" pitchFamily="49" charset="-127"/>
+                <a:ea typeface="돋움체" panose="020B0609000101010101" pitchFamily="49" charset="-127"/>
+              </a:rPr>
+              <a:t>&lt;</a:t>
+            </a:r>
+            <a:r>
+              <a:rPr lang="en-US" altLang="ko-KR" sz="1200">
+                <a:solidFill>
+                  <a:srgbClr val="2B91AF"/>
+                </a:solidFill>
+                <a:latin typeface="돋움체" panose="020B0609000101010101" pitchFamily="49" charset="-127"/>
+                <a:ea typeface="돋움체" panose="020B0609000101010101" pitchFamily="49" charset="-127"/>
+              </a:rPr>
+              <a:t>Tp</a:t>
+            </a:r>
+            <a:r>
+              <a:rPr lang="en-US" altLang="ko-KR" sz="1200">
+                <a:solidFill>
+                  <a:srgbClr val="000000"/>
+                </a:solidFill>
+                <a:latin typeface="돋움체" panose="020B0609000101010101" pitchFamily="49" charset="-127"/>
+                <a:ea typeface="돋움체" panose="020B0609000101010101" pitchFamily="49" charset="-127"/>
+              </a:rPr>
+              <a:t>&gt;* </a:t>
+            </a:r>
+            <a:r>
+              <a:rPr lang="en-US" altLang="ko-KR" sz="1200">
+                <a:solidFill>
+                  <a:srgbClr val="2B91AF"/>
+                </a:solidFill>
+                <a:latin typeface="돋움체" panose="020B0609000101010101" pitchFamily="49" charset="-127"/>
+                <a:ea typeface="돋움체" panose="020B0609000101010101" pitchFamily="49" charset="-127"/>
+              </a:rPr>
+              <a:t>control_block</a:t>
+            </a:r>
+            <a:r>
+              <a:rPr lang="en-US" altLang="ko-KR" sz="1200">
+                <a:solidFill>
+                  <a:srgbClr val="000000"/>
+                </a:solidFill>
+                <a:latin typeface="돋움체" panose="020B0609000101010101" pitchFamily="49" charset="-127"/>
+                <a:ea typeface="돋움체" panose="020B0609000101010101" pitchFamily="49" charset="-127"/>
+              </a:rPr>
+              <a:t>::try_weak_copy(shared_ptr&amp; other)</a:t>
+            </a:r>
+          </a:p>
+          <a:p>
+            <a:r>
+              <a:rPr lang="en-US" altLang="ko-KR" sz="1200">
+                <a:solidFill>
+                  <a:srgbClr val="000000"/>
+                </a:solidFill>
+                <a:latin typeface="돋움체" panose="020B0609000101010101" pitchFamily="49" charset="-127"/>
+                <a:ea typeface="돋움체" panose="020B0609000101010101" pitchFamily="49" charset="-127"/>
+              </a:rPr>
+              <a:t>{</a:t>
+            </a:r>
+          </a:p>
+          <a:p>
+            <a:r>
+              <a:rPr lang="en-US" altLang="ko-KR" sz="1200">
+                <a:solidFill>
+                  <a:srgbClr val="2B91AF"/>
+                </a:solidFill>
+                <a:latin typeface="돋움체" panose="020B0609000101010101" pitchFamily="49" charset="-127"/>
+                <a:ea typeface="돋움체" panose="020B0609000101010101" pitchFamily="49" charset="-127"/>
+              </a:rPr>
+              <a:t>    control_block</a:t>
+            </a:r>
+            <a:r>
+              <a:rPr lang="en-US" altLang="ko-KR" sz="1200">
+                <a:solidFill>
+                  <a:srgbClr val="000000"/>
+                </a:solidFill>
+                <a:latin typeface="돋움체" panose="020B0609000101010101" pitchFamily="49" charset="-127"/>
+                <a:ea typeface="돋움체" panose="020B0609000101010101" pitchFamily="49" charset="-127"/>
+              </a:rPr>
+              <a:t>&lt;</a:t>
+            </a:r>
+            <a:r>
+              <a:rPr lang="en-US" altLang="ko-KR" sz="1200">
+                <a:solidFill>
+                  <a:srgbClr val="2B91AF"/>
+                </a:solidFill>
+                <a:latin typeface="돋움체" panose="020B0609000101010101" pitchFamily="49" charset="-127"/>
+                <a:ea typeface="돋움체" panose="020B0609000101010101" pitchFamily="49" charset="-127"/>
+              </a:rPr>
+              <a:t>Tp</a:t>
+            </a:r>
+            <a:r>
+              <a:rPr lang="en-US" altLang="ko-KR" sz="1200">
+                <a:solidFill>
+                  <a:srgbClr val="000000"/>
+                </a:solidFill>
+                <a:latin typeface="돋움체" panose="020B0609000101010101" pitchFamily="49" charset="-127"/>
+                <a:ea typeface="돋움체" panose="020B0609000101010101" pitchFamily="49" charset="-127"/>
+              </a:rPr>
+              <a:t>&gt;* ret_ctr;</a:t>
+            </a:r>
+          </a:p>
+          <a:p>
+            <a:r>
+              <a:rPr lang="ko-KR" altLang="en-US" sz="1200">
+                <a:solidFill>
+                  <a:srgbClr val="000000"/>
+                </a:solidFill>
+                <a:latin typeface="돋움체" panose="020B0609000101010101" pitchFamily="49" charset="-127"/>
+                <a:ea typeface="돋움체" panose="020B0609000101010101" pitchFamily="49" charset="-127"/>
+              </a:rPr>
+              <a:t>    </a:t>
+            </a:r>
+            <a:endParaRPr lang="en-US" altLang="ko-KR" sz="1200">
+              <a:solidFill>
+                <a:srgbClr val="000000"/>
+              </a:solidFill>
+              <a:latin typeface="돋움체" panose="020B0609000101010101" pitchFamily="49" charset="-127"/>
+              <a:ea typeface="돋움체" panose="020B0609000101010101" pitchFamily="49" charset="-127"/>
+            </a:endParaRPr>
+          </a:p>
+          <a:p>
+            <a:r>
+              <a:rPr lang="en-US" altLang="ko-KR" sz="1200">
+                <a:solidFill>
+                  <a:srgbClr val="000000"/>
+                </a:solidFill>
+                <a:latin typeface="돋움체" panose="020B0609000101010101" pitchFamily="49" charset="-127"/>
+                <a:ea typeface="돋움체" panose="020B0609000101010101" pitchFamily="49" charset="-127"/>
+              </a:rPr>
+              <a:t>    </a:t>
+            </a:r>
+            <a:r>
+              <a:rPr lang="en-US" altLang="ko-KR" sz="1200">
+                <a:solidFill>
+                  <a:srgbClr val="0000FF"/>
+                </a:solidFill>
+                <a:latin typeface="돋움체" panose="020B0609000101010101" pitchFamily="49" charset="-127"/>
+                <a:ea typeface="돋움체" panose="020B0609000101010101" pitchFamily="49" charset="-127"/>
+              </a:rPr>
+              <a:t>while</a:t>
+            </a:r>
+            <a:r>
+              <a:rPr lang="en-US" altLang="ko-KR" sz="1200">
+                <a:solidFill>
+                  <a:srgbClr val="000000"/>
+                </a:solidFill>
+                <a:latin typeface="돋움체" panose="020B0609000101010101" pitchFamily="49" charset="-127"/>
+                <a:ea typeface="돋움체" panose="020B0609000101010101" pitchFamily="49" charset="-127"/>
+              </a:rPr>
+              <a:t>(</a:t>
+            </a:r>
+            <a:r>
+              <a:rPr lang="en-US" altLang="ko-KR" sz="1200">
+                <a:solidFill>
+                  <a:srgbClr val="0000FF"/>
+                </a:solidFill>
+                <a:latin typeface="돋움체" panose="020B0609000101010101" pitchFamily="49" charset="-127"/>
+                <a:ea typeface="돋움체" panose="020B0609000101010101" pitchFamily="49" charset="-127"/>
+              </a:rPr>
+              <a:t>true</a:t>
+            </a:r>
+            <a:r>
+              <a:rPr lang="en-US" altLang="ko-KR" sz="1200">
+                <a:solidFill>
+                  <a:srgbClr val="000000"/>
+                </a:solidFill>
+                <a:latin typeface="돋움체" panose="020B0609000101010101" pitchFamily="49" charset="-127"/>
+                <a:ea typeface="돋움체" panose="020B0609000101010101" pitchFamily="49" charset="-127"/>
+              </a:rPr>
+              <a:t>)</a:t>
+            </a:r>
+          </a:p>
+          <a:p>
+            <a:r>
+              <a:rPr lang="ko-KR" altLang="en-US" sz="1200">
+                <a:solidFill>
+                  <a:srgbClr val="000000"/>
+                </a:solidFill>
+                <a:latin typeface="돋움체" panose="020B0609000101010101" pitchFamily="49" charset="-127"/>
+                <a:ea typeface="돋움체" panose="020B0609000101010101" pitchFamily="49" charset="-127"/>
+              </a:rPr>
+              <a:t>    </a:t>
+            </a:r>
+            <a:r>
+              <a:rPr lang="en-US" altLang="ko-KR" sz="1200">
+                <a:solidFill>
+                  <a:srgbClr val="000000"/>
+                </a:solidFill>
+                <a:latin typeface="돋움체" panose="020B0609000101010101" pitchFamily="49" charset="-127"/>
+                <a:ea typeface="돋움체" panose="020B0609000101010101" pitchFamily="49" charset="-127"/>
+              </a:rPr>
+              <a:t>{</a:t>
+            </a:r>
+          </a:p>
+          <a:p>
+            <a:r>
+              <a:rPr lang="en-US" altLang="ko-KR" sz="1200">
+                <a:solidFill>
+                  <a:srgbClr val="000000"/>
+                </a:solidFill>
+                <a:latin typeface="돋움체" panose="020B0609000101010101" pitchFamily="49" charset="-127"/>
+                <a:ea typeface="돋움체" panose="020B0609000101010101" pitchFamily="49" charset="-127"/>
+              </a:rPr>
+              <a:t>        int curr_thread_count = other.thread_count;</a:t>
+            </a:r>
+          </a:p>
+          <a:p>
+            <a:r>
+              <a:rPr lang="en-US" altLang="ko-KR" sz="1200">
+                <a:solidFill>
+                  <a:srgbClr val="000000"/>
+                </a:solidFill>
+                <a:latin typeface="돋움체" panose="020B0609000101010101" pitchFamily="49" charset="-127"/>
+                <a:ea typeface="돋움체" panose="020B0609000101010101" pitchFamily="49" charset="-127"/>
+              </a:rPr>
+              <a:t>        </a:t>
+            </a:r>
+            <a:r>
+              <a:rPr lang="en-US" altLang="ko-KR" sz="1200">
+                <a:solidFill>
+                  <a:srgbClr val="0000FF"/>
+                </a:solidFill>
+                <a:latin typeface="돋움체" panose="020B0609000101010101" pitchFamily="49" charset="-127"/>
+                <a:ea typeface="돋움체" panose="020B0609000101010101" pitchFamily="49" charset="-127"/>
+              </a:rPr>
+              <a:t>if</a:t>
+            </a:r>
+            <a:r>
+              <a:rPr lang="en-US" altLang="ko-KR" sz="1200">
+                <a:solidFill>
+                  <a:srgbClr val="000000"/>
+                </a:solidFill>
+                <a:latin typeface="돋움체" panose="020B0609000101010101" pitchFamily="49" charset="-127"/>
+                <a:ea typeface="돋움체" panose="020B0609000101010101" pitchFamily="49" charset="-127"/>
+              </a:rPr>
+              <a:t>( curr_thread_count &lt; 0 )</a:t>
+            </a:r>
+          </a:p>
+          <a:p>
+            <a:r>
+              <a:rPr lang="en-US" altLang="ko-KR" sz="1200">
+                <a:solidFill>
+                  <a:srgbClr val="000000"/>
+                </a:solidFill>
+                <a:latin typeface="돋움체" panose="020B0609000101010101" pitchFamily="49" charset="-127"/>
+                <a:ea typeface="돋움체" panose="020B0609000101010101" pitchFamily="49" charset="-127"/>
+              </a:rPr>
+              <a:t>	</a:t>
+            </a:r>
+            <a:r>
+              <a:rPr lang="en-US" altLang="ko-KR" sz="1200">
+                <a:solidFill>
+                  <a:srgbClr val="0000FF"/>
+                </a:solidFill>
+                <a:latin typeface="돋움체" panose="020B0609000101010101" pitchFamily="49" charset="-127"/>
+                <a:ea typeface="돋움체" panose="020B0609000101010101" pitchFamily="49" charset="-127"/>
+              </a:rPr>
+              <a:t> return</a:t>
+            </a:r>
+            <a:r>
+              <a:rPr lang="en-US" altLang="ko-KR" sz="1200">
+                <a:solidFill>
+                  <a:srgbClr val="000000"/>
+                </a:solidFill>
+                <a:latin typeface="돋움체" panose="020B0609000101010101" pitchFamily="49" charset="-127"/>
+                <a:ea typeface="돋움체" panose="020B0609000101010101" pitchFamily="49" charset="-127"/>
+              </a:rPr>
+              <a:t> nullptr;</a:t>
+            </a:r>
+          </a:p>
+          <a:p>
+            <a:r>
+              <a:rPr lang="en-US" altLang="ko-KR" sz="1200">
+                <a:solidFill>
+                  <a:srgbClr val="000000"/>
+                </a:solidFill>
+                <a:latin typeface="돋움체" panose="020B0609000101010101" pitchFamily="49" charset="-127"/>
+                <a:ea typeface="돋움체" panose="020B0609000101010101" pitchFamily="49" charset="-127"/>
+              </a:rPr>
+              <a:t>        </a:t>
+            </a:r>
+            <a:r>
+              <a:rPr lang="en-US" altLang="ko-KR" sz="1200">
+                <a:solidFill>
+                  <a:srgbClr val="0000FF"/>
+                </a:solidFill>
+                <a:latin typeface="돋움체" panose="020B0609000101010101" pitchFamily="49" charset="-127"/>
+                <a:ea typeface="돋움체" panose="020B0609000101010101" pitchFamily="49" charset="-127"/>
+              </a:rPr>
+              <a:t>else</a:t>
+            </a:r>
+            <a:r>
+              <a:rPr lang="en-US" altLang="ko-KR" sz="1200">
+                <a:solidFill>
+                  <a:srgbClr val="000000"/>
+                </a:solidFill>
+                <a:latin typeface="돋움체" panose="020B0609000101010101" pitchFamily="49" charset="-127"/>
+                <a:ea typeface="돋움체" panose="020B0609000101010101" pitchFamily="49" charset="-127"/>
+              </a:rPr>
+              <a:t> </a:t>
+            </a:r>
+            <a:r>
+              <a:rPr lang="en-US" altLang="ko-KR" sz="1200">
+                <a:solidFill>
+                  <a:srgbClr val="0000FF"/>
+                </a:solidFill>
+                <a:latin typeface="돋움체" panose="020B0609000101010101" pitchFamily="49" charset="-127"/>
+                <a:ea typeface="돋움체" panose="020B0609000101010101" pitchFamily="49" charset="-127"/>
+              </a:rPr>
+              <a:t>if</a:t>
+            </a:r>
+            <a:r>
+              <a:rPr lang="en-US" altLang="ko-KR" sz="1200">
+                <a:solidFill>
+                  <a:srgbClr val="000000"/>
+                </a:solidFill>
+                <a:latin typeface="돋움체" panose="020B0609000101010101" pitchFamily="49" charset="-127"/>
+                <a:ea typeface="돋움체" panose="020B0609000101010101" pitchFamily="49" charset="-127"/>
+              </a:rPr>
+              <a:t>( false == CAS(other.thread_count, c_t_c, c_t_c+1))</a:t>
+            </a:r>
+          </a:p>
+          <a:p>
+            <a:r>
+              <a:rPr lang="en-US" altLang="ko-KR" sz="1200">
+                <a:solidFill>
+                  <a:srgbClr val="000000"/>
+                </a:solidFill>
+                <a:latin typeface="돋움체" panose="020B0609000101010101" pitchFamily="49" charset="-127"/>
+                <a:ea typeface="돋움체" panose="020B0609000101010101" pitchFamily="49" charset="-127"/>
+              </a:rPr>
+              <a:t>            </a:t>
+            </a:r>
+            <a:r>
+              <a:rPr lang="en-US" altLang="ko-KR" sz="1200">
+                <a:solidFill>
+                  <a:srgbClr val="0000FF"/>
+                </a:solidFill>
+                <a:latin typeface="돋움체" panose="020B0609000101010101" pitchFamily="49" charset="-127"/>
+                <a:ea typeface="돋움체" panose="020B0609000101010101" pitchFamily="49" charset="-127"/>
+              </a:rPr>
+              <a:t>continue</a:t>
+            </a:r>
+            <a:r>
+              <a:rPr lang="en-US" altLang="ko-KR" sz="1200">
+                <a:solidFill>
+                  <a:srgbClr val="000000"/>
+                </a:solidFill>
+                <a:latin typeface="돋움체" panose="020B0609000101010101" pitchFamily="49" charset="-127"/>
+                <a:ea typeface="돋움체" panose="020B0609000101010101" pitchFamily="49" charset="-127"/>
+              </a:rPr>
+              <a:t>;</a:t>
+            </a:r>
+          </a:p>
+          <a:p>
+            <a:endParaRPr lang="en-US" altLang="ko-KR" sz="1200">
+              <a:solidFill>
+                <a:srgbClr val="000000"/>
+              </a:solidFill>
+              <a:latin typeface="돋움체" panose="020B0609000101010101" pitchFamily="49" charset="-127"/>
+              <a:ea typeface="돋움체" panose="020B0609000101010101" pitchFamily="49" charset="-127"/>
+            </a:endParaRPr>
+          </a:p>
+          <a:p>
+            <a:r>
+              <a:rPr lang="en-US" altLang="ko-KR" sz="1200">
+                <a:solidFill>
+                  <a:srgbClr val="000000"/>
+                </a:solidFill>
+                <a:latin typeface="돋움체" panose="020B0609000101010101" pitchFamily="49" charset="-127"/>
+                <a:ea typeface="돋움체" panose="020B0609000101010101" pitchFamily="49" charset="-127"/>
+              </a:rPr>
+              <a:t>        ret_ctr = add_weak_count();</a:t>
+            </a:r>
+          </a:p>
+          <a:p>
+            <a:endParaRPr lang="en-US" altLang="ko-KR" sz="1200">
+              <a:solidFill>
+                <a:srgbClr val="000000"/>
+              </a:solidFill>
+              <a:latin typeface="돋움체" panose="020B0609000101010101" pitchFamily="49" charset="-127"/>
+              <a:ea typeface="돋움체" panose="020B0609000101010101" pitchFamily="49" charset="-127"/>
+            </a:endParaRPr>
+          </a:p>
+          <a:p>
+            <a:r>
+              <a:rPr lang="en-US" altLang="ko-KR" sz="1200">
+                <a:solidFill>
+                  <a:srgbClr val="000000"/>
+                </a:solidFill>
+                <a:latin typeface="돋움체" panose="020B0609000101010101" pitchFamily="49" charset="-127"/>
+                <a:ea typeface="돋움체" panose="020B0609000101010101" pitchFamily="49" charset="-127"/>
+              </a:rPr>
+              <a:t>        </a:t>
+            </a:r>
+            <a:r>
+              <a:rPr lang="en-US" altLang="ko-KR" sz="1200">
+                <a:solidFill>
+                  <a:srgbClr val="0000FF"/>
+                </a:solidFill>
+                <a:latin typeface="돋움체" panose="020B0609000101010101" pitchFamily="49" charset="-127"/>
+                <a:ea typeface="돋움체" panose="020B0609000101010101" pitchFamily="49" charset="-127"/>
+              </a:rPr>
+              <a:t>while</a:t>
+            </a:r>
+            <a:r>
+              <a:rPr lang="en-US" altLang="ko-KR" sz="1200">
+                <a:solidFill>
+                  <a:srgbClr val="000000"/>
+                </a:solidFill>
+                <a:latin typeface="돋움체" panose="020B0609000101010101" pitchFamily="49" charset="-127"/>
+                <a:ea typeface="돋움체" panose="020B0609000101010101" pitchFamily="49" charset="-127"/>
+              </a:rPr>
+              <a:t>(</a:t>
+            </a:r>
+            <a:r>
+              <a:rPr lang="en-US" altLang="ko-KR" sz="1200">
+                <a:solidFill>
+                  <a:srgbClr val="0000FF"/>
+                </a:solidFill>
+                <a:latin typeface="돋움체" panose="020B0609000101010101" pitchFamily="49" charset="-127"/>
+                <a:ea typeface="돋움체" panose="020B0609000101010101" pitchFamily="49" charset="-127"/>
+              </a:rPr>
+              <a:t>true</a:t>
+            </a:r>
+            <a:r>
+              <a:rPr lang="en-US" altLang="ko-KR" sz="1200">
+                <a:solidFill>
+                  <a:srgbClr val="000000"/>
+                </a:solidFill>
+                <a:latin typeface="돋움체" panose="020B0609000101010101" pitchFamily="49" charset="-127"/>
+                <a:ea typeface="돋움체" panose="020B0609000101010101" pitchFamily="49" charset="-127"/>
+              </a:rPr>
+              <a:t>)</a:t>
+            </a:r>
+          </a:p>
+          <a:p>
+            <a:r>
+              <a:rPr lang="en-US" altLang="ko-KR" sz="1200">
+                <a:solidFill>
+                  <a:srgbClr val="000000"/>
+                </a:solidFill>
+                <a:latin typeface="돋움체" panose="020B0609000101010101" pitchFamily="49" charset="-127"/>
+                <a:ea typeface="돋움체" panose="020B0609000101010101" pitchFamily="49" charset="-127"/>
+              </a:rPr>
+              <a:t>        {</a:t>
+            </a:r>
+          </a:p>
+          <a:p>
+            <a:r>
+              <a:rPr lang="en-US" altLang="ko-KR" sz="1200">
+                <a:solidFill>
+                  <a:srgbClr val="000000"/>
+                </a:solidFill>
+                <a:latin typeface="돋움체" panose="020B0609000101010101" pitchFamily="49" charset="-127"/>
+                <a:ea typeface="돋움체" panose="020B0609000101010101" pitchFamily="49" charset="-127"/>
+              </a:rPr>
+              <a:t>            curr_thread_count = other.thread_count;</a:t>
+            </a:r>
+          </a:p>
+          <a:p>
+            <a:r>
+              <a:rPr lang="en-US" altLang="ko-KR" sz="1200">
+                <a:solidFill>
+                  <a:srgbClr val="000000"/>
+                </a:solidFill>
+                <a:latin typeface="돋움체" panose="020B0609000101010101" pitchFamily="49" charset="-127"/>
+                <a:ea typeface="돋움체" panose="020B0609000101010101" pitchFamily="49" charset="-127"/>
+              </a:rPr>
+              <a:t>            </a:t>
+            </a:r>
+            <a:r>
+              <a:rPr lang="en-US" altLang="ko-KR" sz="1200">
+                <a:solidFill>
+                  <a:srgbClr val="0000FF"/>
+                </a:solidFill>
+                <a:latin typeface="돋움체" panose="020B0609000101010101" pitchFamily="49" charset="-127"/>
+                <a:ea typeface="돋움체" panose="020B0609000101010101" pitchFamily="49" charset="-127"/>
+              </a:rPr>
+              <a:t>if</a:t>
+            </a:r>
+            <a:r>
+              <a:rPr lang="en-US" altLang="ko-KR" sz="1200">
+                <a:solidFill>
+                  <a:srgbClr val="000000"/>
+                </a:solidFill>
+                <a:latin typeface="돋움체" panose="020B0609000101010101" pitchFamily="49" charset="-127"/>
+                <a:ea typeface="돋움체" panose="020B0609000101010101" pitchFamily="49" charset="-127"/>
+              </a:rPr>
+              <a:t>( </a:t>
+            </a:r>
+            <a:r>
+              <a:rPr lang="en-US" altLang="ko-KR" sz="1200">
+                <a:solidFill>
+                  <a:srgbClr val="0000FF"/>
+                </a:solidFill>
+                <a:latin typeface="돋움체" panose="020B0609000101010101" pitchFamily="49" charset="-127"/>
+                <a:ea typeface="돋움체" panose="020B0609000101010101" pitchFamily="49" charset="-127"/>
+              </a:rPr>
+              <a:t>false</a:t>
+            </a:r>
+            <a:r>
+              <a:rPr lang="en-US" altLang="ko-KR" sz="1200">
+                <a:solidFill>
+                  <a:srgbClr val="000000"/>
+                </a:solidFill>
+                <a:latin typeface="돋움체" panose="020B0609000101010101" pitchFamily="49" charset="-127"/>
+                <a:ea typeface="돋움체" panose="020B0609000101010101" pitchFamily="49" charset="-127"/>
+              </a:rPr>
+              <a:t> == CAS(other.thread_count, c_t_c, c_t_c-1))</a:t>
+            </a:r>
+          </a:p>
+          <a:p>
+            <a:r>
+              <a:rPr lang="en-US" altLang="ko-KR" sz="1200">
+                <a:solidFill>
+                  <a:srgbClr val="000000"/>
+                </a:solidFill>
+                <a:latin typeface="돋움체" panose="020B0609000101010101" pitchFamily="49" charset="-127"/>
+                <a:ea typeface="돋움체" panose="020B0609000101010101" pitchFamily="49" charset="-127"/>
+              </a:rPr>
+              <a:t>                </a:t>
+            </a:r>
+            <a:r>
+              <a:rPr lang="en-US" altLang="ko-KR" sz="1200">
+                <a:solidFill>
+                  <a:srgbClr val="0000FF"/>
+                </a:solidFill>
+                <a:latin typeface="돋움체" panose="020B0609000101010101" pitchFamily="49" charset="-127"/>
+                <a:ea typeface="돋움체" panose="020B0609000101010101" pitchFamily="49" charset="-127"/>
+              </a:rPr>
+              <a:t>continue</a:t>
+            </a:r>
+            <a:r>
+              <a:rPr lang="en-US" altLang="ko-KR" sz="1200">
+                <a:solidFill>
+                  <a:srgbClr val="000000"/>
+                </a:solidFill>
+                <a:latin typeface="돋움체" panose="020B0609000101010101" pitchFamily="49" charset="-127"/>
+                <a:ea typeface="돋움체" panose="020B0609000101010101" pitchFamily="49" charset="-127"/>
+              </a:rPr>
+              <a:t>;</a:t>
+            </a:r>
+          </a:p>
+          <a:p>
+            <a:endParaRPr lang="en-US" altLang="ko-KR" sz="1200">
+              <a:solidFill>
+                <a:srgbClr val="000000"/>
+              </a:solidFill>
+              <a:latin typeface="돋움체" panose="020B0609000101010101" pitchFamily="49" charset="-127"/>
+              <a:ea typeface="돋움체" panose="020B0609000101010101" pitchFamily="49" charset="-127"/>
+            </a:endParaRPr>
+          </a:p>
+          <a:p>
+            <a:r>
+              <a:rPr lang="en-US" altLang="ko-KR" sz="1200">
+                <a:solidFill>
+                  <a:srgbClr val="000000"/>
+                </a:solidFill>
+                <a:latin typeface="돋움체" panose="020B0609000101010101" pitchFamily="49" charset="-127"/>
+                <a:ea typeface="돋움체" panose="020B0609000101010101" pitchFamily="49" charset="-127"/>
+              </a:rPr>
+              <a:t>            </a:t>
+            </a:r>
+            <a:r>
+              <a:rPr lang="en-US" altLang="ko-KR" sz="1200">
+                <a:solidFill>
+                  <a:srgbClr val="0000FF"/>
+                </a:solidFill>
+                <a:latin typeface="돋움체" panose="020B0609000101010101" pitchFamily="49" charset="-127"/>
+                <a:ea typeface="돋움체" panose="020B0609000101010101" pitchFamily="49" charset="-127"/>
+              </a:rPr>
+              <a:t>if</a:t>
+            </a:r>
+            <a:r>
+              <a:rPr lang="en-US" altLang="ko-KR" sz="1200">
+                <a:solidFill>
+                  <a:srgbClr val="000000"/>
+                </a:solidFill>
+                <a:latin typeface="돋움체" panose="020B0609000101010101" pitchFamily="49" charset="-127"/>
+                <a:ea typeface="돋움체" panose="020B0609000101010101" pitchFamily="49" charset="-127"/>
+              </a:rPr>
+              <a:t>(curr_thread_count == 0 &amp;&amp; ret_ctr = nullptr)</a:t>
+            </a:r>
+          </a:p>
+          <a:p>
+            <a:r>
+              <a:rPr lang="en-US" altLang="ko-KR" sz="1200">
+                <a:solidFill>
+                  <a:srgbClr val="000000"/>
+                </a:solidFill>
+                <a:latin typeface="돋움체" panose="020B0609000101010101" pitchFamily="49" charset="-127"/>
+                <a:ea typeface="돋움체" panose="020B0609000101010101" pitchFamily="49" charset="-127"/>
+              </a:rPr>
+              <a:t>	{</a:t>
+            </a:r>
+          </a:p>
+          <a:p>
+            <a:r>
+              <a:rPr lang="en-US" altLang="ko-KR" sz="1200">
+                <a:solidFill>
+                  <a:srgbClr val="000000"/>
+                </a:solidFill>
+                <a:latin typeface="돋움체" panose="020B0609000101010101" pitchFamily="49" charset="-127"/>
+                <a:ea typeface="돋움체" panose="020B0609000101010101" pitchFamily="49" charset="-127"/>
+              </a:rPr>
+              <a:t>	    </a:t>
+            </a:r>
+            <a:r>
+              <a:rPr lang="en-US" altLang="ko-KR" sz="1200">
+                <a:solidFill>
+                  <a:srgbClr val="0000FF"/>
+                </a:solidFill>
+                <a:latin typeface="돋움체" panose="020B0609000101010101" pitchFamily="49" charset="-127"/>
+                <a:ea typeface="돋움체" panose="020B0609000101010101" pitchFamily="49" charset="-127"/>
+              </a:rPr>
+              <a:t>delete</a:t>
+            </a:r>
+            <a:r>
+              <a:rPr lang="en-US" altLang="ko-KR" sz="1200">
+                <a:solidFill>
+                  <a:srgbClr val="000000"/>
+                </a:solidFill>
+                <a:latin typeface="돋움체" panose="020B0609000101010101" pitchFamily="49" charset="-127"/>
+                <a:ea typeface="돋움체" panose="020B0609000101010101" pitchFamily="49" charset="-127"/>
+              </a:rPr>
+              <a:t> this;</a:t>
+            </a:r>
+          </a:p>
+          <a:p>
+            <a:r>
+              <a:rPr lang="en-US" altLang="ko-KR" sz="1200">
+                <a:solidFill>
+                  <a:srgbClr val="000000"/>
+                </a:solidFill>
+                <a:latin typeface="돋움체" panose="020B0609000101010101" pitchFamily="49" charset="-127"/>
+                <a:ea typeface="돋움체" panose="020B0609000101010101" pitchFamily="49" charset="-127"/>
+              </a:rPr>
+              <a:t>	    </a:t>
+            </a:r>
+            <a:r>
+              <a:rPr lang="en-US" altLang="ko-KR" sz="1200">
+                <a:solidFill>
+                  <a:srgbClr val="0000FF"/>
+                </a:solidFill>
+                <a:latin typeface="돋움체" panose="020B0609000101010101" pitchFamily="49" charset="-127"/>
+                <a:ea typeface="돋움체" panose="020B0609000101010101" pitchFamily="49" charset="-127"/>
+              </a:rPr>
+              <a:t>return</a:t>
+            </a:r>
+            <a:r>
+              <a:rPr lang="en-US" altLang="ko-KR" sz="1200">
+                <a:solidFill>
+                  <a:srgbClr val="000000"/>
+                </a:solidFill>
+                <a:latin typeface="돋움체" panose="020B0609000101010101" pitchFamily="49" charset="-127"/>
+                <a:ea typeface="돋움체" panose="020B0609000101010101" pitchFamily="49" charset="-127"/>
+              </a:rPr>
+              <a:t> ret_ctr;</a:t>
+            </a:r>
+          </a:p>
+          <a:p>
+            <a:r>
+              <a:rPr lang="en-US" altLang="ko-KR" sz="1200">
+                <a:solidFill>
+                  <a:srgbClr val="000000"/>
+                </a:solidFill>
+                <a:latin typeface="돋움체" panose="020B0609000101010101" pitchFamily="49" charset="-127"/>
+                <a:ea typeface="돋움체" panose="020B0609000101010101" pitchFamily="49" charset="-127"/>
+              </a:rPr>
+              <a:t>            }</a:t>
+            </a:r>
+          </a:p>
+          <a:p>
+            <a:r>
+              <a:rPr lang="en-US" altLang="ko-KR" sz="1200">
+                <a:solidFill>
+                  <a:srgbClr val="000000"/>
+                </a:solidFill>
+                <a:latin typeface="돋움체" panose="020B0609000101010101" pitchFamily="49" charset="-127"/>
+                <a:ea typeface="돋움체" panose="020B0609000101010101" pitchFamily="49" charset="-127"/>
+              </a:rPr>
+              <a:t>	</a:t>
+            </a:r>
+            <a:r>
+              <a:rPr lang="en-US" altLang="ko-KR" sz="1200">
+                <a:solidFill>
+                  <a:srgbClr val="0000FF"/>
+                </a:solidFill>
+                <a:latin typeface="돋움체" panose="020B0609000101010101" pitchFamily="49" charset="-127"/>
+                <a:ea typeface="돋움체" panose="020B0609000101010101" pitchFamily="49" charset="-127"/>
+              </a:rPr>
+              <a:t>else</a:t>
+            </a:r>
+          </a:p>
+          <a:p>
+            <a:r>
+              <a:rPr lang="en-US" altLang="ko-KR" sz="1200">
+                <a:solidFill>
+                  <a:srgbClr val="000000"/>
+                </a:solidFill>
+                <a:latin typeface="돋움체" panose="020B0609000101010101" pitchFamily="49" charset="-127"/>
+                <a:ea typeface="돋움체" panose="020B0609000101010101" pitchFamily="49" charset="-127"/>
+              </a:rPr>
+              <a:t>	    </a:t>
+            </a:r>
+            <a:r>
+              <a:rPr lang="en-US" altLang="ko-KR" sz="1200">
+                <a:solidFill>
+                  <a:srgbClr val="0000FF"/>
+                </a:solidFill>
+                <a:latin typeface="돋움체" panose="020B0609000101010101" pitchFamily="49" charset="-127"/>
+                <a:ea typeface="돋움체" panose="020B0609000101010101" pitchFamily="49" charset="-127"/>
+              </a:rPr>
+              <a:t>return</a:t>
+            </a:r>
+            <a:r>
+              <a:rPr lang="en-US" altLang="ko-KR" sz="1200">
+                <a:solidFill>
+                  <a:srgbClr val="000000"/>
+                </a:solidFill>
+                <a:latin typeface="돋움체" panose="020B0609000101010101" pitchFamily="49" charset="-127"/>
+                <a:ea typeface="돋움체" panose="020B0609000101010101" pitchFamily="49" charset="-127"/>
+              </a:rPr>
+              <a:t> ret_ctr;</a:t>
+            </a:r>
+          </a:p>
+          <a:p>
+            <a:r>
+              <a:rPr lang="en-US" altLang="ko-KR" sz="1200">
+                <a:solidFill>
+                  <a:srgbClr val="000000"/>
+                </a:solidFill>
+                <a:latin typeface="돋움체" panose="020B0609000101010101" pitchFamily="49" charset="-127"/>
+                <a:ea typeface="돋움체" panose="020B0609000101010101" pitchFamily="49" charset="-127"/>
+              </a:rPr>
+              <a:t>        }</a:t>
+            </a:r>
+          </a:p>
+          <a:p>
+            <a:r>
+              <a:rPr lang="en-US" altLang="ko-KR" sz="1200">
+                <a:solidFill>
+                  <a:srgbClr val="000000"/>
+                </a:solidFill>
+                <a:latin typeface="돋움체" panose="020B0609000101010101" pitchFamily="49" charset="-127"/>
+                <a:ea typeface="돋움체" panose="020B0609000101010101" pitchFamily="49" charset="-127"/>
+              </a:rPr>
+              <a:t>    }</a:t>
+            </a:r>
+            <a:endParaRPr lang="ko-KR" altLang="en-US" sz="1200">
+              <a:solidFill>
+                <a:srgbClr val="000000"/>
+              </a:solidFill>
+              <a:latin typeface="돋움체" panose="020B0609000101010101" pitchFamily="49" charset="-127"/>
+              <a:ea typeface="돋움체" panose="020B0609000101010101" pitchFamily="49" charset="-127"/>
+            </a:endParaRPr>
+          </a:p>
+          <a:p>
+            <a:r>
+              <a:rPr lang="en-US" altLang="ko-KR" sz="1200">
+                <a:solidFill>
+                  <a:srgbClr val="0000FF"/>
+                </a:solidFill>
+                <a:latin typeface="돋움체" panose="020B0609000101010101" pitchFamily="49" charset="-127"/>
+                <a:ea typeface="돋움체" panose="020B0609000101010101" pitchFamily="49" charset="-127"/>
+              </a:rPr>
+              <a:t>    return</a:t>
+            </a:r>
+            <a:r>
+              <a:rPr lang="en-US" altLang="ko-KR" sz="1200">
+                <a:solidFill>
+                  <a:srgbClr val="000000"/>
+                </a:solidFill>
+                <a:latin typeface="돋움체" panose="020B0609000101010101" pitchFamily="49" charset="-127"/>
+                <a:ea typeface="돋움체" panose="020B0609000101010101" pitchFamily="49" charset="-127"/>
+              </a:rPr>
+              <a:t> ret_ctr;</a:t>
+            </a:r>
+          </a:p>
+          <a:p>
+            <a:r>
+              <a:rPr lang="en-US" altLang="ko-KR" sz="1200">
+                <a:solidFill>
+                  <a:srgbClr val="000000"/>
+                </a:solidFill>
+                <a:latin typeface="돋움체" panose="020B0609000101010101" pitchFamily="49" charset="-127"/>
+                <a:ea typeface="돋움체" panose="020B0609000101010101" pitchFamily="49" charset="-127"/>
+              </a:rPr>
+              <a:t>}</a:t>
+            </a:r>
+            <a:endParaRPr lang="ko-KR" altLang="en-US" sz="1200"/>
+          </a:p>
+        </p:txBody>
+      </p:sp>
+      <p:sp>
+        <p:nvSpPr>
+          <p:cNvPr id="3" name="TextBox 2">
+            <a:extLst>
+              <a:ext uri="{FF2B5EF4-FFF2-40B4-BE49-F238E27FC236}">
+                <a16:creationId xmlns:a16="http://schemas.microsoft.com/office/drawing/2014/main" id="{25624944-8D27-4A70-AA4E-8E6B0DCADBA1}"/>
+              </a:ext>
+            </a:extLst>
+          </p:cNvPr>
+          <p:cNvSpPr txBox="1"/>
+          <p:nvPr/>
+        </p:nvSpPr>
+        <p:spPr>
+          <a:xfrm>
+            <a:off x="5577170" y="151179"/>
+            <a:ext cx="6371662" cy="5816977"/>
+          </a:xfrm>
+          <a:prstGeom prst="rect">
+            <a:avLst/>
+          </a:prstGeom>
+          <a:noFill/>
+        </p:spPr>
+        <p:txBody>
+          <a:bodyPr wrap="square">
+            <a:spAutoFit/>
+          </a:bodyPr>
+          <a:lstStyle/>
+          <a:p>
+            <a:r>
+              <a:rPr lang="en-US" altLang="ko-KR" sz="1200">
+                <a:solidFill>
+                  <a:srgbClr val="0000FF"/>
+                </a:solidFill>
+                <a:latin typeface="돋움체" panose="020B0609000101010101" pitchFamily="49" charset="-127"/>
+                <a:ea typeface="돋움체" panose="020B0609000101010101" pitchFamily="49" charset="-127"/>
+              </a:rPr>
+              <a:t>void</a:t>
+            </a:r>
+            <a:r>
+              <a:rPr lang="en-US" altLang="ko-KR" sz="1200">
+                <a:solidFill>
+                  <a:srgbClr val="000000"/>
+                </a:solidFill>
+                <a:latin typeface="돋움체" panose="020B0609000101010101" pitchFamily="49" charset="-127"/>
+                <a:ea typeface="돋움체" panose="020B0609000101010101" pitchFamily="49" charset="-127"/>
+              </a:rPr>
+              <a:t> </a:t>
+            </a:r>
+            <a:r>
+              <a:rPr lang="en-US" altLang="ko-KR" sz="1200">
+                <a:solidFill>
+                  <a:srgbClr val="2B91AF"/>
+                </a:solidFill>
+                <a:latin typeface="돋움체" panose="020B0609000101010101" pitchFamily="49" charset="-127"/>
+                <a:ea typeface="돋움체" panose="020B0609000101010101" pitchFamily="49" charset="-127"/>
+              </a:rPr>
+              <a:t>control_block</a:t>
+            </a:r>
+            <a:r>
+              <a:rPr lang="en-US" altLang="ko-KR" sz="1200">
+                <a:solidFill>
+                  <a:srgbClr val="000000"/>
+                </a:solidFill>
+                <a:latin typeface="돋움체" panose="020B0609000101010101" pitchFamily="49" charset="-127"/>
+                <a:ea typeface="돋움체" panose="020B0609000101010101" pitchFamily="49" charset="-127"/>
+              </a:rPr>
+              <a:t>::weak_release(</a:t>
+            </a:r>
+            <a:r>
+              <a:rPr lang="en-US" altLang="ko-KR" sz="1200">
+                <a:solidFill>
+                  <a:srgbClr val="FF0000"/>
+                </a:solidFill>
+                <a:latin typeface="돋움체" panose="020B0609000101010101" pitchFamily="49" charset="-127"/>
+                <a:ea typeface="돋움체" panose="020B0609000101010101" pitchFamily="49" charset="-127"/>
+              </a:rPr>
+              <a:t>shared_ptr&amp; other</a:t>
+            </a:r>
+            <a:r>
+              <a:rPr lang="en-US" altLang="ko-KR" sz="1200">
+                <a:solidFill>
+                  <a:srgbClr val="000000"/>
+                </a:solidFill>
+                <a:latin typeface="돋움체" panose="020B0609000101010101" pitchFamily="49" charset="-127"/>
+                <a:ea typeface="돋움체" panose="020B0609000101010101" pitchFamily="49" charset="-127"/>
+              </a:rPr>
+              <a:t>) </a:t>
+            </a:r>
+            <a:r>
+              <a:rPr lang="en-US" altLang="ko-KR" sz="1200">
+                <a:solidFill>
+                  <a:srgbClr val="0000FF"/>
+                </a:solidFill>
+                <a:latin typeface="돋움체" panose="020B0609000101010101" pitchFamily="49" charset="-127"/>
+                <a:ea typeface="돋움체" panose="020B0609000101010101" pitchFamily="49" charset="-127"/>
+              </a:rPr>
+              <a:t>noexcept</a:t>
+            </a:r>
+            <a:endParaRPr lang="en-US" altLang="ko-KR" sz="1200">
+              <a:solidFill>
+                <a:srgbClr val="000000"/>
+              </a:solidFill>
+              <a:latin typeface="돋움체" panose="020B0609000101010101" pitchFamily="49" charset="-127"/>
+              <a:ea typeface="돋움체" panose="020B0609000101010101" pitchFamily="49" charset="-127"/>
+            </a:endParaRPr>
+          </a:p>
+          <a:p>
+            <a:r>
+              <a:rPr lang="en-US" altLang="ko-KR" sz="1200">
+                <a:solidFill>
+                  <a:srgbClr val="000000"/>
+                </a:solidFill>
+                <a:latin typeface="돋움체" panose="020B0609000101010101" pitchFamily="49" charset="-127"/>
+                <a:ea typeface="돋움체" panose="020B0609000101010101" pitchFamily="49" charset="-127"/>
+              </a:rPr>
+              <a:t>{</a:t>
+            </a:r>
+          </a:p>
+          <a:p>
+            <a:r>
+              <a:rPr lang="en-US" altLang="ko-KR" sz="1200">
+                <a:solidFill>
+                  <a:srgbClr val="0000FF"/>
+                </a:solidFill>
+                <a:latin typeface="돋움체" panose="020B0609000101010101" pitchFamily="49" charset="-127"/>
+                <a:ea typeface="돋움체" panose="020B0609000101010101" pitchFamily="49" charset="-127"/>
+              </a:rPr>
+              <a:t>    int</a:t>
+            </a:r>
+            <a:r>
+              <a:rPr lang="en-US" altLang="ko-KR" sz="1200">
+                <a:solidFill>
+                  <a:srgbClr val="000000"/>
+                </a:solidFill>
+                <a:latin typeface="돋움체" panose="020B0609000101010101" pitchFamily="49" charset="-127"/>
+                <a:ea typeface="돋움체" panose="020B0609000101010101" pitchFamily="49" charset="-127"/>
+              </a:rPr>
+              <a:t> curr_weak_count, curr_thread_count;</a:t>
+            </a:r>
+          </a:p>
+          <a:p>
+            <a:r>
+              <a:rPr lang="en-US" altLang="ko-KR" sz="1200">
+                <a:solidFill>
+                  <a:srgbClr val="0000FF"/>
+                </a:solidFill>
+                <a:latin typeface="돋움체" panose="020B0609000101010101" pitchFamily="49" charset="-127"/>
+                <a:ea typeface="돋움체" panose="020B0609000101010101" pitchFamily="49" charset="-127"/>
+              </a:rPr>
+              <a:t> </a:t>
+            </a:r>
+          </a:p>
+          <a:p>
+            <a:r>
+              <a:rPr lang="en-US" altLang="ko-KR" sz="1200">
+                <a:solidFill>
+                  <a:srgbClr val="0000FF"/>
+                </a:solidFill>
+                <a:latin typeface="돋움체" panose="020B0609000101010101" pitchFamily="49" charset="-127"/>
+                <a:ea typeface="돋움체" panose="020B0609000101010101" pitchFamily="49" charset="-127"/>
+              </a:rPr>
+              <a:t>    while</a:t>
+            </a:r>
+            <a:r>
+              <a:rPr lang="en-US" altLang="ko-KR" sz="1200">
+                <a:solidFill>
+                  <a:srgbClr val="000000"/>
+                </a:solidFill>
+                <a:latin typeface="돋움체" panose="020B0609000101010101" pitchFamily="49" charset="-127"/>
+                <a:ea typeface="돋움체" panose="020B0609000101010101" pitchFamily="49" charset="-127"/>
+              </a:rPr>
+              <a:t> (</a:t>
+            </a:r>
+            <a:r>
+              <a:rPr lang="en-US" altLang="ko-KR" sz="1200">
+                <a:solidFill>
+                  <a:srgbClr val="0000FF"/>
+                </a:solidFill>
+                <a:latin typeface="돋움체" panose="020B0609000101010101" pitchFamily="49" charset="-127"/>
+                <a:ea typeface="돋움체" panose="020B0609000101010101" pitchFamily="49" charset="-127"/>
+              </a:rPr>
+              <a:t>true</a:t>
+            </a:r>
+            <a:r>
+              <a:rPr lang="en-US" altLang="ko-KR" sz="1200">
+                <a:solidFill>
+                  <a:srgbClr val="000000"/>
+                </a:solidFill>
+                <a:latin typeface="돋움체" panose="020B0609000101010101" pitchFamily="49" charset="-127"/>
+                <a:ea typeface="돋움체" panose="020B0609000101010101" pitchFamily="49" charset="-127"/>
+              </a:rPr>
+              <a:t>)</a:t>
+            </a:r>
+          </a:p>
+          <a:p>
+            <a:r>
+              <a:rPr lang="en-US" altLang="ko-KR" sz="1200">
+                <a:solidFill>
+                  <a:srgbClr val="000000"/>
+                </a:solidFill>
+                <a:latin typeface="돋움체" panose="020B0609000101010101" pitchFamily="49" charset="-127"/>
+                <a:ea typeface="돋움체" panose="020B0609000101010101" pitchFamily="49" charset="-127"/>
+              </a:rPr>
+              <a:t>    {</a:t>
+            </a:r>
+          </a:p>
+          <a:p>
+            <a:r>
+              <a:rPr lang="en-US" altLang="ko-KR" sz="1200">
+                <a:solidFill>
+                  <a:srgbClr val="000000"/>
+                </a:solidFill>
+                <a:latin typeface="돋움체" panose="020B0609000101010101" pitchFamily="49" charset="-127"/>
+                <a:ea typeface="돋움체" panose="020B0609000101010101" pitchFamily="49" charset="-127"/>
+              </a:rPr>
+              <a:t>        curr_weak_count = weak_count;</a:t>
+            </a:r>
+          </a:p>
+          <a:p>
+            <a:endParaRPr lang="ko-KR" altLang="en-US" sz="1200">
+              <a:solidFill>
+                <a:srgbClr val="000000"/>
+              </a:solidFill>
+              <a:latin typeface="돋움체" panose="020B0609000101010101" pitchFamily="49" charset="-127"/>
+              <a:ea typeface="돋움체" panose="020B0609000101010101" pitchFamily="49" charset="-127"/>
+            </a:endParaRPr>
+          </a:p>
+          <a:p>
+            <a:r>
+              <a:rPr lang="en-US" altLang="ko-KR" sz="1200">
+                <a:solidFill>
+                  <a:srgbClr val="0000FF"/>
+                </a:solidFill>
+                <a:latin typeface="돋움체" panose="020B0609000101010101" pitchFamily="49" charset="-127"/>
+                <a:ea typeface="돋움체" panose="020B0609000101010101" pitchFamily="49" charset="-127"/>
+              </a:rPr>
+              <a:t>        if</a:t>
+            </a:r>
+            <a:r>
+              <a:rPr lang="en-US" altLang="ko-KR" sz="1200">
+                <a:solidFill>
+                  <a:srgbClr val="000000"/>
+                </a:solidFill>
+                <a:latin typeface="돋움체" panose="020B0609000101010101" pitchFamily="49" charset="-127"/>
+                <a:ea typeface="돋움체" panose="020B0609000101010101" pitchFamily="49" charset="-127"/>
+              </a:rPr>
+              <a:t> (</a:t>
+            </a:r>
+            <a:r>
+              <a:rPr lang="en-US" altLang="ko-KR" sz="1200">
+                <a:solidFill>
+                  <a:srgbClr val="0000FF"/>
+                </a:solidFill>
+                <a:latin typeface="돋움체" panose="020B0609000101010101" pitchFamily="49" charset="-127"/>
+                <a:ea typeface="돋움체" panose="020B0609000101010101" pitchFamily="49" charset="-127"/>
+              </a:rPr>
+              <a:t>true</a:t>
+            </a:r>
+            <a:r>
+              <a:rPr lang="en-US" altLang="ko-KR" sz="1200">
+                <a:solidFill>
+                  <a:srgbClr val="000000"/>
+                </a:solidFill>
+                <a:latin typeface="돋움체" panose="020B0609000101010101" pitchFamily="49" charset="-127"/>
+                <a:ea typeface="돋움체" panose="020B0609000101010101" pitchFamily="49" charset="-127"/>
+              </a:rPr>
+              <a:t> == CAS(&amp;weak_count, curr_weak_count,curr_weak_count - 1))</a:t>
+            </a:r>
+          </a:p>
+          <a:p>
+            <a:r>
+              <a:rPr lang="en-US" altLang="ko-KR" sz="1200">
+                <a:solidFill>
+                  <a:srgbClr val="000000"/>
+                </a:solidFill>
+                <a:latin typeface="돋움체" panose="020B0609000101010101" pitchFamily="49" charset="-127"/>
+                <a:ea typeface="돋움체" panose="020B0609000101010101" pitchFamily="49" charset="-127"/>
+              </a:rPr>
+              <a:t>        {</a:t>
+            </a:r>
+          </a:p>
+          <a:p>
+            <a:r>
+              <a:rPr lang="en-US" altLang="ko-KR" sz="1200">
+                <a:solidFill>
+                  <a:srgbClr val="000000"/>
+                </a:solidFill>
+                <a:latin typeface="돋움체" panose="020B0609000101010101" pitchFamily="49" charset="-127"/>
+                <a:ea typeface="돋움체" panose="020B0609000101010101" pitchFamily="49" charset="-127"/>
+              </a:rPr>
+              <a:t>            </a:t>
+            </a:r>
+            <a:r>
+              <a:rPr lang="en-US" altLang="ko-KR" sz="1200">
+                <a:solidFill>
+                  <a:srgbClr val="0000FF"/>
+                </a:solidFill>
+                <a:latin typeface="돋움체" panose="020B0609000101010101" pitchFamily="49" charset="-127"/>
+                <a:ea typeface="돋움체" panose="020B0609000101010101" pitchFamily="49" charset="-127"/>
+              </a:rPr>
+              <a:t>if</a:t>
+            </a:r>
+            <a:r>
+              <a:rPr lang="en-US" altLang="ko-KR" sz="1200">
+                <a:solidFill>
+                  <a:srgbClr val="000000"/>
+                </a:solidFill>
+                <a:latin typeface="돋움체" panose="020B0609000101010101" pitchFamily="49" charset="-127"/>
+                <a:ea typeface="돋움체" panose="020B0609000101010101" pitchFamily="49" charset="-127"/>
+              </a:rPr>
+              <a:t> (curr_weak_count == 1)</a:t>
+            </a:r>
+          </a:p>
+          <a:p>
+            <a:r>
+              <a:rPr lang="en-US" altLang="ko-KR" sz="1200">
+                <a:solidFill>
+                  <a:srgbClr val="000000"/>
+                </a:solidFill>
+                <a:latin typeface="돋움체" panose="020B0609000101010101" pitchFamily="49" charset="-127"/>
+                <a:ea typeface="돋움체" panose="020B0609000101010101" pitchFamily="49" charset="-127"/>
+              </a:rPr>
+              <a:t>	{</a:t>
+            </a:r>
+          </a:p>
+          <a:p>
+            <a:r>
+              <a:rPr lang="en-US" altLang="ko-KR" sz="1200">
+                <a:solidFill>
+                  <a:srgbClr val="000000"/>
+                </a:solidFill>
+                <a:latin typeface="돋움체" panose="020B0609000101010101" pitchFamily="49" charset="-127"/>
+                <a:ea typeface="돋움체" panose="020B0609000101010101" pitchFamily="49" charset="-127"/>
+              </a:rPr>
+              <a:t>    	     </a:t>
+            </a:r>
+            <a:r>
+              <a:rPr lang="en-US" altLang="ko-KR" sz="1200">
+                <a:solidFill>
+                  <a:srgbClr val="0000FF"/>
+                </a:solidFill>
+                <a:latin typeface="돋움체" panose="020B0609000101010101" pitchFamily="49" charset="-127"/>
+                <a:ea typeface="돋움체" panose="020B0609000101010101" pitchFamily="49" charset="-127"/>
+              </a:rPr>
+              <a:t>while</a:t>
+            </a:r>
+            <a:r>
+              <a:rPr lang="en-US" altLang="ko-KR" sz="1200">
+                <a:solidFill>
+                  <a:srgbClr val="000000"/>
+                </a:solidFill>
+                <a:latin typeface="돋움체" panose="020B0609000101010101" pitchFamily="49" charset="-127"/>
+                <a:ea typeface="돋움체" panose="020B0609000101010101" pitchFamily="49" charset="-127"/>
+              </a:rPr>
+              <a:t>(</a:t>
+            </a:r>
+            <a:r>
+              <a:rPr lang="en-US" altLang="ko-KR" sz="1200">
+                <a:solidFill>
+                  <a:srgbClr val="0000FF"/>
+                </a:solidFill>
+                <a:latin typeface="돋움체" panose="020B0609000101010101" pitchFamily="49" charset="-127"/>
+                <a:ea typeface="돋움체" panose="020B0609000101010101" pitchFamily="49" charset="-127"/>
+              </a:rPr>
+              <a:t>true</a:t>
+            </a:r>
+            <a:r>
+              <a:rPr lang="en-US" altLang="ko-KR" sz="1200">
+                <a:solidFill>
+                  <a:srgbClr val="000000"/>
+                </a:solidFill>
+                <a:latin typeface="돋움체" panose="020B0609000101010101" pitchFamily="49" charset="-127"/>
+                <a:ea typeface="돋움체" panose="020B0609000101010101" pitchFamily="49" charset="-127"/>
+              </a:rPr>
+              <a:t>)</a:t>
+            </a:r>
+          </a:p>
+          <a:p>
+            <a:r>
+              <a:rPr lang="en-US" altLang="ko-KR" sz="1200">
+                <a:solidFill>
+                  <a:srgbClr val="000000"/>
+                </a:solidFill>
+                <a:latin typeface="돋움체" panose="020B0609000101010101" pitchFamily="49" charset="-127"/>
+                <a:ea typeface="돋움체" panose="020B0609000101010101" pitchFamily="49" charset="-127"/>
+              </a:rPr>
+              <a:t>       	     {</a:t>
+            </a:r>
+          </a:p>
+          <a:p>
+            <a:r>
+              <a:rPr lang="en-US" altLang="ko-KR" sz="1200">
+                <a:solidFill>
+                  <a:srgbClr val="000000"/>
+                </a:solidFill>
+                <a:latin typeface="돋움체" panose="020B0609000101010101" pitchFamily="49" charset="-127"/>
+                <a:ea typeface="돋움체" panose="020B0609000101010101" pitchFamily="49" charset="-127"/>
+              </a:rPr>
+              <a:t>                      curr_thread_count = other.thread_count;</a:t>
+            </a:r>
+          </a:p>
+          <a:p>
+            <a:r>
+              <a:rPr lang="en-US" altLang="ko-KR" sz="1200">
+                <a:solidFill>
+                  <a:srgbClr val="000000"/>
+                </a:solidFill>
+                <a:latin typeface="돋움체" panose="020B0609000101010101" pitchFamily="49" charset="-127"/>
+                <a:ea typeface="돋움체" panose="020B0609000101010101" pitchFamily="49" charset="-127"/>
+              </a:rPr>
+              <a:t>                      </a:t>
+            </a:r>
+            <a:r>
+              <a:rPr lang="en-US" altLang="ko-KR" sz="1200">
+                <a:solidFill>
+                  <a:srgbClr val="0000FF"/>
+                </a:solidFill>
+                <a:latin typeface="돋움체" panose="020B0609000101010101" pitchFamily="49" charset="-127"/>
+                <a:ea typeface="돋움체" panose="020B0609000101010101" pitchFamily="49" charset="-127"/>
+              </a:rPr>
+              <a:t>if</a:t>
+            </a:r>
+            <a:r>
+              <a:rPr lang="en-US" altLang="ko-KR" sz="1200">
+                <a:solidFill>
+                  <a:srgbClr val="000000"/>
+                </a:solidFill>
+                <a:latin typeface="돋움체" panose="020B0609000101010101" pitchFamily="49" charset="-127"/>
+                <a:ea typeface="돋움체" panose="020B0609000101010101" pitchFamily="49" charset="-127"/>
+              </a:rPr>
+              <a:t>( </a:t>
+            </a:r>
+            <a:r>
+              <a:rPr lang="en-US" altLang="ko-KR" sz="1200">
+                <a:solidFill>
+                  <a:srgbClr val="0000FF"/>
+                </a:solidFill>
+                <a:latin typeface="돋움체" panose="020B0609000101010101" pitchFamily="49" charset="-127"/>
+                <a:ea typeface="돋움체" panose="020B0609000101010101" pitchFamily="49" charset="-127"/>
+              </a:rPr>
+              <a:t>false</a:t>
+            </a:r>
+            <a:r>
+              <a:rPr lang="en-US" altLang="ko-KR" sz="1200">
+                <a:solidFill>
+                  <a:srgbClr val="000000"/>
+                </a:solidFill>
+                <a:latin typeface="돋움체" panose="020B0609000101010101" pitchFamily="49" charset="-127"/>
+                <a:ea typeface="돋움체" panose="020B0609000101010101" pitchFamily="49" charset="-127"/>
+              </a:rPr>
+              <a:t> == CAS(other.thread_count, c_t_c, c_t_c-1))</a:t>
+            </a:r>
+          </a:p>
+          <a:p>
+            <a:r>
+              <a:rPr lang="en-US" altLang="ko-KR" sz="1200">
+                <a:solidFill>
+                  <a:srgbClr val="000000"/>
+                </a:solidFill>
+                <a:latin typeface="돋움체" panose="020B0609000101010101" pitchFamily="49" charset="-127"/>
+                <a:ea typeface="돋움체" panose="020B0609000101010101" pitchFamily="49" charset="-127"/>
+              </a:rPr>
+              <a:t>                           </a:t>
+            </a:r>
+            <a:r>
+              <a:rPr lang="en-US" altLang="ko-KR" sz="1200">
+                <a:solidFill>
+                  <a:srgbClr val="0000FF"/>
+                </a:solidFill>
+                <a:latin typeface="돋움체" panose="020B0609000101010101" pitchFamily="49" charset="-127"/>
+                <a:ea typeface="돋움체" panose="020B0609000101010101" pitchFamily="49" charset="-127"/>
+              </a:rPr>
+              <a:t>continue</a:t>
+            </a:r>
+            <a:r>
+              <a:rPr lang="en-US" altLang="ko-KR" sz="1200">
+                <a:solidFill>
+                  <a:srgbClr val="000000"/>
+                </a:solidFill>
+                <a:latin typeface="돋움체" panose="020B0609000101010101" pitchFamily="49" charset="-127"/>
+                <a:ea typeface="돋움체" panose="020B0609000101010101" pitchFamily="49" charset="-127"/>
+              </a:rPr>
+              <a:t>;</a:t>
+            </a:r>
+          </a:p>
+          <a:p>
+            <a:endParaRPr lang="en-US" altLang="ko-KR" sz="1200">
+              <a:solidFill>
+                <a:srgbClr val="000000"/>
+              </a:solidFill>
+              <a:latin typeface="돋움체" panose="020B0609000101010101" pitchFamily="49" charset="-127"/>
+              <a:ea typeface="돋움체" panose="020B0609000101010101" pitchFamily="49" charset="-127"/>
+            </a:endParaRPr>
+          </a:p>
+          <a:p>
+            <a:r>
+              <a:rPr lang="en-US" altLang="ko-KR" sz="1200">
+                <a:solidFill>
+                  <a:srgbClr val="000000"/>
+                </a:solidFill>
+                <a:latin typeface="돋움체" panose="020B0609000101010101" pitchFamily="49" charset="-127"/>
+                <a:ea typeface="돋움체" panose="020B0609000101010101" pitchFamily="49" charset="-127"/>
+              </a:rPr>
+              <a:t>                      </a:t>
+            </a:r>
+            <a:r>
+              <a:rPr lang="en-US" altLang="ko-KR" sz="1200">
+                <a:solidFill>
+                  <a:srgbClr val="0000FF"/>
+                </a:solidFill>
+                <a:latin typeface="돋움체" panose="020B0609000101010101" pitchFamily="49" charset="-127"/>
+                <a:ea typeface="돋움체" panose="020B0609000101010101" pitchFamily="49" charset="-127"/>
+              </a:rPr>
+              <a:t>if</a:t>
+            </a:r>
+            <a:r>
+              <a:rPr lang="en-US" altLang="ko-KR" sz="1200">
+                <a:solidFill>
+                  <a:srgbClr val="000000"/>
+                </a:solidFill>
+                <a:latin typeface="돋움체" panose="020B0609000101010101" pitchFamily="49" charset="-127"/>
+                <a:ea typeface="돋움체" panose="020B0609000101010101" pitchFamily="49" charset="-127"/>
+              </a:rPr>
+              <a:t>(curr_thread_count == 0)</a:t>
+            </a:r>
+          </a:p>
+          <a:p>
+            <a:r>
+              <a:rPr lang="en-US" altLang="ko-KR" sz="1200">
+                <a:solidFill>
+                  <a:srgbClr val="000000"/>
+                </a:solidFill>
+                <a:latin typeface="돋움체" panose="020B0609000101010101" pitchFamily="49" charset="-127"/>
+                <a:ea typeface="돋움체" panose="020B0609000101010101" pitchFamily="49" charset="-127"/>
+              </a:rPr>
+              <a:t>	          {</a:t>
+            </a:r>
+          </a:p>
+          <a:p>
+            <a:r>
+              <a:rPr lang="en-US" altLang="ko-KR" sz="1200">
+                <a:solidFill>
+                  <a:srgbClr val="000000"/>
+                </a:solidFill>
+                <a:latin typeface="돋움체" panose="020B0609000101010101" pitchFamily="49" charset="-127"/>
+                <a:ea typeface="돋움체" panose="020B0609000101010101" pitchFamily="49" charset="-127"/>
+              </a:rPr>
+              <a:t>	               </a:t>
+            </a:r>
+            <a:r>
+              <a:rPr lang="en-US" altLang="ko-KR" sz="1200">
+                <a:solidFill>
+                  <a:srgbClr val="0000FF"/>
+                </a:solidFill>
+                <a:latin typeface="돋움체" panose="020B0609000101010101" pitchFamily="49" charset="-127"/>
+                <a:ea typeface="돋움체" panose="020B0609000101010101" pitchFamily="49" charset="-127"/>
+              </a:rPr>
+              <a:t>delete</a:t>
+            </a:r>
+            <a:r>
+              <a:rPr lang="en-US" altLang="ko-KR" sz="1200">
+                <a:solidFill>
+                  <a:srgbClr val="000000"/>
+                </a:solidFill>
+                <a:latin typeface="돋움체" panose="020B0609000101010101" pitchFamily="49" charset="-127"/>
+                <a:ea typeface="돋움체" panose="020B0609000101010101" pitchFamily="49" charset="-127"/>
+              </a:rPr>
+              <a:t> this;</a:t>
+            </a:r>
+          </a:p>
+          <a:p>
+            <a:r>
+              <a:rPr lang="en-US" altLang="ko-KR" sz="1200">
+                <a:solidFill>
+                  <a:srgbClr val="000000"/>
+                </a:solidFill>
+                <a:latin typeface="돋움체" panose="020B0609000101010101" pitchFamily="49" charset="-127"/>
+                <a:ea typeface="돋움체" panose="020B0609000101010101" pitchFamily="49" charset="-127"/>
+              </a:rPr>
+              <a:t>	               </a:t>
+            </a:r>
+            <a:r>
+              <a:rPr lang="en-US" altLang="ko-KR" sz="1200">
+                <a:solidFill>
+                  <a:srgbClr val="0000FF"/>
+                </a:solidFill>
+                <a:latin typeface="돋움체" panose="020B0609000101010101" pitchFamily="49" charset="-127"/>
+                <a:ea typeface="돋움체" panose="020B0609000101010101" pitchFamily="49" charset="-127"/>
+              </a:rPr>
+              <a:t>return;</a:t>
+            </a:r>
+            <a:endParaRPr lang="en-US" altLang="ko-KR" sz="1200">
+              <a:solidFill>
+                <a:srgbClr val="000000"/>
+              </a:solidFill>
+              <a:latin typeface="돋움체" panose="020B0609000101010101" pitchFamily="49" charset="-127"/>
+              <a:ea typeface="돋움체" panose="020B0609000101010101" pitchFamily="49" charset="-127"/>
+            </a:endParaRPr>
+          </a:p>
+          <a:p>
+            <a:r>
+              <a:rPr lang="en-US" altLang="ko-KR" sz="1200">
+                <a:solidFill>
+                  <a:srgbClr val="000000"/>
+                </a:solidFill>
+                <a:latin typeface="돋움체" panose="020B0609000101010101" pitchFamily="49" charset="-127"/>
+                <a:ea typeface="돋움체" panose="020B0609000101010101" pitchFamily="49" charset="-127"/>
+              </a:rPr>
+              <a:t>                      }</a:t>
+            </a:r>
+          </a:p>
+          <a:p>
+            <a:r>
+              <a:rPr lang="en-US" altLang="ko-KR" sz="1200">
+                <a:solidFill>
+                  <a:srgbClr val="000000"/>
+                </a:solidFill>
+                <a:latin typeface="돋움체" panose="020B0609000101010101" pitchFamily="49" charset="-127"/>
+                <a:ea typeface="돋움체" panose="020B0609000101010101" pitchFamily="49" charset="-127"/>
+              </a:rPr>
+              <a:t>	          </a:t>
+            </a:r>
+            <a:r>
+              <a:rPr lang="en-US" altLang="ko-KR" sz="1200">
+                <a:solidFill>
+                  <a:srgbClr val="0000FF"/>
+                </a:solidFill>
+                <a:latin typeface="돋움체" panose="020B0609000101010101" pitchFamily="49" charset="-127"/>
+                <a:ea typeface="돋움체" panose="020B0609000101010101" pitchFamily="49" charset="-127"/>
+              </a:rPr>
+              <a:t>else</a:t>
+            </a:r>
+          </a:p>
+          <a:p>
+            <a:r>
+              <a:rPr lang="en-US" altLang="ko-KR" sz="1200">
+                <a:solidFill>
+                  <a:srgbClr val="000000"/>
+                </a:solidFill>
+                <a:latin typeface="돋움체" panose="020B0609000101010101" pitchFamily="49" charset="-127"/>
+                <a:ea typeface="돋움체" panose="020B0609000101010101" pitchFamily="49" charset="-127"/>
+              </a:rPr>
+              <a:t>	               </a:t>
+            </a:r>
+            <a:r>
+              <a:rPr lang="en-US" altLang="ko-KR" sz="1200">
+                <a:solidFill>
+                  <a:srgbClr val="0000FF"/>
+                </a:solidFill>
+                <a:latin typeface="돋움체" panose="020B0609000101010101" pitchFamily="49" charset="-127"/>
+                <a:ea typeface="돋움체" panose="020B0609000101010101" pitchFamily="49" charset="-127"/>
+              </a:rPr>
+              <a:t>return;</a:t>
+            </a:r>
+            <a:endParaRPr lang="en-US" altLang="ko-KR" sz="1200">
+              <a:solidFill>
+                <a:srgbClr val="000000"/>
+              </a:solidFill>
+              <a:latin typeface="돋움체" panose="020B0609000101010101" pitchFamily="49" charset="-127"/>
+              <a:ea typeface="돋움체" panose="020B0609000101010101" pitchFamily="49" charset="-127"/>
+            </a:endParaRPr>
+          </a:p>
+          <a:p>
+            <a:r>
+              <a:rPr lang="en-US" altLang="ko-KR" sz="1200">
+                <a:solidFill>
+                  <a:srgbClr val="000000"/>
+                </a:solidFill>
+                <a:latin typeface="돋움체" panose="020B0609000101010101" pitchFamily="49" charset="-127"/>
+                <a:ea typeface="돋움체" panose="020B0609000101010101" pitchFamily="49" charset="-127"/>
+              </a:rPr>
+              <a:t>                  }</a:t>
+            </a:r>
+          </a:p>
+          <a:p>
+            <a:r>
+              <a:rPr lang="en-US" altLang="ko-KR" sz="1200">
+                <a:solidFill>
+                  <a:srgbClr val="000000"/>
+                </a:solidFill>
+                <a:latin typeface="돋움체" panose="020B0609000101010101" pitchFamily="49" charset="-127"/>
+                <a:ea typeface="돋움체" panose="020B0609000101010101" pitchFamily="49" charset="-127"/>
+              </a:rPr>
+              <a:t>	}</a:t>
+            </a:r>
+          </a:p>
+          <a:p>
+            <a:r>
+              <a:rPr lang="en-US" altLang="ko-KR" sz="1200">
+                <a:solidFill>
+                  <a:srgbClr val="0000FF"/>
+                </a:solidFill>
+                <a:latin typeface="돋움체" panose="020B0609000101010101" pitchFamily="49" charset="-127"/>
+                <a:ea typeface="돋움체" panose="020B0609000101010101" pitchFamily="49" charset="-127"/>
+              </a:rPr>
+              <a:t>	return</a:t>
+            </a:r>
+            <a:r>
+              <a:rPr lang="en-US" altLang="ko-KR" sz="1200">
+                <a:solidFill>
+                  <a:srgbClr val="000000"/>
+                </a:solidFill>
+                <a:latin typeface="돋움체" panose="020B0609000101010101" pitchFamily="49" charset="-127"/>
+                <a:ea typeface="돋움체" panose="020B0609000101010101" pitchFamily="49" charset="-127"/>
+              </a:rPr>
+              <a:t>;</a:t>
+            </a:r>
+          </a:p>
+          <a:p>
+            <a:r>
+              <a:rPr lang="en-US" altLang="ko-KR" sz="1200">
+                <a:solidFill>
+                  <a:srgbClr val="000000"/>
+                </a:solidFill>
+                <a:latin typeface="돋움체" panose="020B0609000101010101" pitchFamily="49" charset="-127"/>
+                <a:ea typeface="돋움체" panose="020B0609000101010101" pitchFamily="49" charset="-127"/>
+              </a:rPr>
+              <a:t>        }</a:t>
+            </a:r>
+          </a:p>
+          <a:p>
+            <a:r>
+              <a:rPr lang="en-US" altLang="ko-KR" sz="1200">
+                <a:solidFill>
+                  <a:srgbClr val="000000"/>
+                </a:solidFill>
+                <a:latin typeface="돋움체" panose="020B0609000101010101" pitchFamily="49" charset="-127"/>
+                <a:ea typeface="돋움체" panose="020B0609000101010101" pitchFamily="49" charset="-127"/>
+              </a:rPr>
+              <a:t>    }</a:t>
+            </a:r>
+          </a:p>
+          <a:p>
+            <a:r>
+              <a:rPr lang="en-US" altLang="ko-KR" sz="1200">
+                <a:solidFill>
+                  <a:srgbClr val="000000"/>
+                </a:solidFill>
+                <a:latin typeface="돋움체" panose="020B0609000101010101" pitchFamily="49" charset="-127"/>
+                <a:ea typeface="돋움체" panose="020B0609000101010101" pitchFamily="49" charset="-127"/>
+              </a:rPr>
+              <a:t>}</a:t>
+            </a:r>
+            <a:endParaRPr lang="ko-KR" altLang="en-US" sz="1200"/>
+          </a:p>
+        </p:txBody>
+      </p:sp>
+    </p:spTree>
+    <p:extLst>
+      <p:ext uri="{BB962C8B-B14F-4D97-AF65-F5344CB8AC3E}">
+        <p14:creationId xmlns:p14="http://schemas.microsoft.com/office/powerpoint/2010/main" val="233339661"/>
       </p:ext>
     </p:extLst>
   </p:cSld>
